--- a/documents/BE/BE_부트설계도.pptx
+++ b/documents/BE/BE_부트설계도.pptx
@@ -6,6 +6,8 @@
   </p:sldMasterIdLst>
   <p:sldIdLst>
     <p:sldId id="256" r:id="rId2"/>
+    <p:sldId id="257" r:id="rId3"/>
+    <p:sldId id="259" r:id="rId4"/>
   </p:sldIdLst>
   <p:sldSz cx="12192000" cy="6858000"/>
   <p:notesSz cx="6858000" cy="9144000"/>
@@ -243,7 +245,7 @@
           <a:p>
             <a:fld id="{347C2E2D-AEAA-46C6-BFD0-91E62B6C0A93}" type="datetimeFigureOut">
               <a:rPr lang="ko-KR" altLang="en-US" smtClean="0"/>
-              <a:t>2023-05-11</a:t>
+              <a:t>2023-05-24</a:t>
             </a:fld>
             <a:endParaRPr lang="ko-KR" altLang="en-US"/>
           </a:p>
@@ -413,7 +415,7 @@
           <a:p>
             <a:fld id="{347C2E2D-AEAA-46C6-BFD0-91E62B6C0A93}" type="datetimeFigureOut">
               <a:rPr lang="ko-KR" altLang="en-US" smtClean="0"/>
-              <a:t>2023-05-11</a:t>
+              <a:t>2023-05-24</a:t>
             </a:fld>
             <a:endParaRPr lang="ko-KR" altLang="en-US"/>
           </a:p>
@@ -593,7 +595,7 @@
           <a:p>
             <a:fld id="{347C2E2D-AEAA-46C6-BFD0-91E62B6C0A93}" type="datetimeFigureOut">
               <a:rPr lang="ko-KR" altLang="en-US" smtClean="0"/>
-              <a:t>2023-05-11</a:t>
+              <a:t>2023-05-24</a:t>
             </a:fld>
             <a:endParaRPr lang="ko-KR" altLang="en-US"/>
           </a:p>
@@ -763,7 +765,7 @@
           <a:p>
             <a:fld id="{347C2E2D-AEAA-46C6-BFD0-91E62B6C0A93}" type="datetimeFigureOut">
               <a:rPr lang="ko-KR" altLang="en-US" smtClean="0"/>
-              <a:t>2023-05-11</a:t>
+              <a:t>2023-05-24</a:t>
             </a:fld>
             <a:endParaRPr lang="ko-KR" altLang="en-US"/>
           </a:p>
@@ -1009,7 +1011,7 @@
           <a:p>
             <a:fld id="{347C2E2D-AEAA-46C6-BFD0-91E62B6C0A93}" type="datetimeFigureOut">
               <a:rPr lang="ko-KR" altLang="en-US" smtClean="0"/>
-              <a:t>2023-05-11</a:t>
+              <a:t>2023-05-24</a:t>
             </a:fld>
             <a:endParaRPr lang="ko-KR" altLang="en-US"/>
           </a:p>
@@ -1241,7 +1243,7 @@
           <a:p>
             <a:fld id="{347C2E2D-AEAA-46C6-BFD0-91E62B6C0A93}" type="datetimeFigureOut">
               <a:rPr lang="ko-KR" altLang="en-US" smtClean="0"/>
-              <a:t>2023-05-11</a:t>
+              <a:t>2023-05-24</a:t>
             </a:fld>
             <a:endParaRPr lang="ko-KR" altLang="en-US"/>
           </a:p>
@@ -1608,7 +1610,7 @@
           <a:p>
             <a:fld id="{347C2E2D-AEAA-46C6-BFD0-91E62B6C0A93}" type="datetimeFigureOut">
               <a:rPr lang="ko-KR" altLang="en-US" smtClean="0"/>
-              <a:t>2023-05-11</a:t>
+              <a:t>2023-05-24</a:t>
             </a:fld>
             <a:endParaRPr lang="ko-KR" altLang="en-US"/>
           </a:p>
@@ -1726,7 +1728,7 @@
           <a:p>
             <a:fld id="{347C2E2D-AEAA-46C6-BFD0-91E62B6C0A93}" type="datetimeFigureOut">
               <a:rPr lang="ko-KR" altLang="en-US" smtClean="0"/>
-              <a:t>2023-05-11</a:t>
+              <a:t>2023-05-24</a:t>
             </a:fld>
             <a:endParaRPr lang="ko-KR" altLang="en-US"/>
           </a:p>
@@ -1821,7 +1823,7 @@
           <a:p>
             <a:fld id="{347C2E2D-AEAA-46C6-BFD0-91E62B6C0A93}" type="datetimeFigureOut">
               <a:rPr lang="ko-KR" altLang="en-US" smtClean="0"/>
-              <a:t>2023-05-11</a:t>
+              <a:t>2023-05-24</a:t>
             </a:fld>
             <a:endParaRPr lang="ko-KR" altLang="en-US"/>
           </a:p>
@@ -2098,7 +2100,7 @@
           <a:p>
             <a:fld id="{347C2E2D-AEAA-46C6-BFD0-91E62B6C0A93}" type="datetimeFigureOut">
               <a:rPr lang="ko-KR" altLang="en-US" smtClean="0"/>
-              <a:t>2023-05-11</a:t>
+              <a:t>2023-05-24</a:t>
             </a:fld>
             <a:endParaRPr lang="ko-KR" altLang="en-US"/>
           </a:p>
@@ -2351,7 +2353,7 @@
           <a:p>
             <a:fld id="{347C2E2D-AEAA-46C6-BFD0-91E62B6C0A93}" type="datetimeFigureOut">
               <a:rPr lang="ko-KR" altLang="en-US" smtClean="0"/>
-              <a:t>2023-05-11</a:t>
+              <a:t>2023-05-24</a:t>
             </a:fld>
             <a:endParaRPr lang="ko-KR" altLang="en-US"/>
           </a:p>
@@ -2564,7 +2566,7 @@
           <a:p>
             <a:fld id="{347C2E2D-AEAA-46C6-BFD0-91E62B6C0A93}" type="datetimeFigureOut">
               <a:rPr lang="ko-KR" altLang="en-US" smtClean="0"/>
-              <a:t>2023-05-11</a:t>
+              <a:t>2023-05-24</a:t>
             </a:fld>
             <a:endParaRPr lang="ko-KR" altLang="en-US"/>
           </a:p>
@@ -2971,13 +2973,13 @@
       </p:grpSpPr>
       <p:sp>
         <p:nvSpPr>
-          <p:cNvPr id="7" name="직사각형 6"/>
+          <p:cNvPr id="6" name="직사각형 5"/>
           <p:cNvSpPr/>
           <p:nvPr/>
         </p:nvSpPr>
         <p:spPr>
           <a:xfrm>
-            <a:off x="4298901" y="1441341"/>
+            <a:off x="697424" y="1441342"/>
             <a:ext cx="1611823" cy="945397"/>
           </a:xfrm>
           <a:prstGeom prst="rect">
@@ -3012,7 +3014,18 @@
                   <a:schemeClr val="tx1"/>
                 </a:solidFill>
               </a:rPr>
-              <a:t>Controller</a:t>
+              <a:t>React,</a:t>
+            </a:r>
+          </a:p>
+          <a:p>
+            <a:pPr algn="ctr"/>
+            <a:r>
+              <a:rPr lang="en-US" altLang="ko-KR" dirty="0" smtClean="0">
+                <a:solidFill>
+                  <a:schemeClr val="tx1"/>
+                </a:solidFill>
+              </a:rPr>
+              <a:t>flask</a:t>
             </a:r>
             <a:endParaRPr lang="ko-KR" altLang="en-US" dirty="0">
               <a:solidFill>
@@ -3024,13 +3037,13 @@
       </p:sp>
       <p:sp>
         <p:nvSpPr>
-          <p:cNvPr id="8" name="직사각형 7"/>
+          <p:cNvPr id="7" name="직사각형 6"/>
           <p:cNvSpPr/>
           <p:nvPr/>
         </p:nvSpPr>
         <p:spPr>
           <a:xfrm>
-            <a:off x="6404087" y="1441341"/>
+            <a:off x="2802610" y="1441341"/>
             <a:ext cx="1611823" cy="945397"/>
           </a:xfrm>
           <a:prstGeom prst="rect">
@@ -3065,7 +3078,7 @@
                   <a:schemeClr val="tx1"/>
                 </a:solidFill>
               </a:rPr>
-              <a:t>Service</a:t>
+              <a:t>Controller</a:t>
             </a:r>
             <a:endParaRPr lang="ko-KR" altLang="en-US" dirty="0">
               <a:solidFill>
@@ -3077,13 +3090,13 @@
       </p:sp>
       <p:sp>
         <p:nvSpPr>
-          <p:cNvPr id="9" name="직사각형 8"/>
+          <p:cNvPr id="8" name="직사각형 7"/>
           <p:cNvSpPr/>
           <p:nvPr/>
         </p:nvSpPr>
         <p:spPr>
           <a:xfrm>
-            <a:off x="8509273" y="2383562"/>
+            <a:off x="4907796" y="1441341"/>
             <a:ext cx="1611823" cy="945397"/>
           </a:xfrm>
           <a:prstGeom prst="rect">
@@ -3118,7 +3131,7 @@
                   <a:schemeClr val="tx1"/>
                 </a:solidFill>
               </a:rPr>
-              <a:t>Repository</a:t>
+              <a:t>Service</a:t>
             </a:r>
             <a:endParaRPr lang="ko-KR" altLang="en-US" dirty="0">
               <a:solidFill>
@@ -3130,13 +3143,13 @@
       </p:sp>
       <p:sp>
         <p:nvSpPr>
-          <p:cNvPr id="28" name="직사각형 27"/>
+          <p:cNvPr id="9" name="직사각형 8"/>
           <p:cNvSpPr/>
           <p:nvPr/>
         </p:nvSpPr>
         <p:spPr>
           <a:xfrm>
-            <a:off x="8509272" y="747598"/>
+            <a:off x="7012982" y="1441340"/>
             <a:ext cx="1611823" cy="945397"/>
           </a:xfrm>
           <a:prstGeom prst="rect">
@@ -3171,7 +3184,7 @@
                   <a:schemeClr val="tx1"/>
                 </a:solidFill>
               </a:rPr>
-              <a:t>domain</a:t>
+              <a:t>Repository</a:t>
             </a:r>
             <a:endParaRPr lang="ko-KR" altLang="en-US" dirty="0">
               <a:solidFill>
@@ -3183,13 +3196,13 @@
       </p:sp>
       <p:sp>
         <p:nvSpPr>
-          <p:cNvPr id="19" name="직사각형 18"/>
+          <p:cNvPr id="10" name="직사각형 9"/>
           <p:cNvSpPr/>
           <p:nvPr/>
         </p:nvSpPr>
         <p:spPr>
           <a:xfrm>
-            <a:off x="2193715" y="1441341"/>
+            <a:off x="9118168" y="1441339"/>
             <a:ext cx="1611823" cy="945397"/>
           </a:xfrm>
           <a:prstGeom prst="rect">
@@ -3219,12 +3232,12 @@
           <a:p>
             <a:pPr algn="ctr"/>
             <a:r>
-              <a:rPr lang="en-US" altLang="ko-KR" dirty="0">
+              <a:rPr lang="en-US" altLang="ko-KR" dirty="0" smtClean="0">
                 <a:solidFill>
                   <a:schemeClr val="tx1"/>
                 </a:solidFill>
               </a:rPr>
-              <a:t>flask</a:t>
+              <a:t>MySQL</a:t>
             </a:r>
             <a:endParaRPr lang="ko-KR" altLang="en-US" dirty="0">
               <a:solidFill>
@@ -3236,178 +3249,22 @@
       </p:sp>
       <p:cxnSp>
         <p:nvCxnSpPr>
-          <p:cNvPr id="51" name="직선 화살표 연결선 50"/>
+          <p:cNvPr id="12" name="구부러진 연결선 11"/>
           <p:cNvCxnSpPr>
-            <a:stCxn id="7" idx="2"/>
+            <a:stCxn id="6" idx="0"/>
+            <a:endCxn id="7" idx="0"/>
           </p:cNvCxnSpPr>
           <p:nvPr/>
         </p:nvCxnSpPr>
         <p:spPr>
-          <a:xfrm flipH="1">
-            <a:off x="5104810" y="2386738"/>
-            <a:ext cx="3" cy="1337943"/>
-          </a:xfrm>
-          <a:prstGeom prst="straightConnector1">
-            <a:avLst/>
-          </a:prstGeom>
-          <a:ln w="9525" cap="flat" cmpd="sng" algn="ctr">
-            <a:solidFill>
-              <a:schemeClr val="dk1"/>
-            </a:solidFill>
-            <a:prstDash val="dash"/>
-            <a:round/>
-            <a:headEnd type="none" w="med" len="med"/>
-            <a:tailEnd type="none" w="med" len="med"/>
-          </a:ln>
-        </p:spPr>
-        <p:style>
-          <a:lnRef idx="0">
-            <a:scrgbClr r="0" g="0" b="0"/>
-          </a:lnRef>
-          <a:fillRef idx="0">
-            <a:scrgbClr r="0" g="0" b="0"/>
-          </a:fillRef>
-          <a:effectRef idx="0">
-            <a:scrgbClr r="0" g="0" b="0"/>
-          </a:effectRef>
-          <a:fontRef idx="minor">
-            <a:schemeClr val="tx1"/>
-          </a:fontRef>
-        </p:style>
-      </p:cxnSp>
-      <p:sp>
-        <p:nvSpPr>
-          <p:cNvPr id="54" name="직사각형 53"/>
-          <p:cNvSpPr/>
-          <p:nvPr/>
-        </p:nvSpPr>
-        <p:spPr>
-          <a:xfrm>
-            <a:off x="4298898" y="3724681"/>
-            <a:ext cx="1611823" cy="945397"/>
-          </a:xfrm>
-          <a:prstGeom prst="rect">
-            <a:avLst/>
-          </a:prstGeom>
-          <a:noFill/>
-        </p:spPr>
-        <p:style>
-          <a:lnRef idx="2">
-            <a:schemeClr val="accent1">
-              <a:shade val="50000"/>
-            </a:schemeClr>
-          </a:lnRef>
-          <a:fillRef idx="1">
-            <a:schemeClr val="accent1"/>
-          </a:fillRef>
-          <a:effectRef idx="0">
-            <a:schemeClr val="accent1"/>
-          </a:effectRef>
-          <a:fontRef idx="minor">
-            <a:schemeClr val="lt1"/>
-          </a:fontRef>
-        </p:style>
-        <p:txBody>
-          <a:bodyPr rtlCol="0" anchor="ctr"/>
-          <a:lstStyle/>
-          <a:p>
-            <a:pPr algn="ctr"/>
-            <a:r>
-              <a:rPr lang="en-US" altLang="ko-KR" sz="1400" dirty="0" err="1" smtClean="0">
-                <a:solidFill>
-                  <a:schemeClr val="tx1"/>
-                </a:solidFill>
-              </a:rPr>
-              <a:t>loginAPI</a:t>
-            </a:r>
-            <a:endParaRPr lang="en-US" altLang="ko-KR" sz="1400" dirty="0" smtClean="0">
-              <a:solidFill>
-                <a:schemeClr val="tx1"/>
-              </a:solidFill>
-            </a:endParaRPr>
-          </a:p>
-          <a:p>
-            <a:pPr algn="ctr"/>
-            <a:r>
-              <a:rPr lang="en-US" altLang="ko-KR" sz="1400" dirty="0" err="1" smtClean="0">
-                <a:solidFill>
-                  <a:schemeClr val="tx1"/>
-                </a:solidFill>
-              </a:rPr>
-              <a:t>logoutAPI</a:t>
-            </a:r>
-            <a:endParaRPr lang="en-US" altLang="ko-KR" sz="1400" dirty="0" smtClean="0">
-              <a:solidFill>
-                <a:schemeClr val="tx1"/>
-              </a:solidFill>
-            </a:endParaRPr>
-          </a:p>
-          <a:p>
-            <a:pPr algn="ctr"/>
-            <a:r>
-              <a:rPr lang="en-US" altLang="ko-KR" sz="1600" dirty="0" err="1" smtClean="0">
-                <a:solidFill>
-                  <a:schemeClr val="tx1"/>
-                </a:solidFill>
-              </a:rPr>
-              <a:t>workerlist</a:t>
-            </a:r>
-            <a:r>
-              <a:rPr lang="en-US" altLang="ko-KR" sz="1400" dirty="0" err="1" smtClean="0">
-                <a:solidFill>
-                  <a:schemeClr val="tx1"/>
-                </a:solidFill>
-              </a:rPr>
-              <a:t>API</a:t>
-            </a:r>
-            <a:endParaRPr lang="en-US" altLang="ko-KR" sz="1400" dirty="0" smtClean="0">
-              <a:solidFill>
-                <a:schemeClr val="tx1"/>
-              </a:solidFill>
-            </a:endParaRPr>
-          </a:p>
-          <a:p>
-            <a:pPr algn="ctr"/>
-            <a:r>
-              <a:rPr lang="en-US" altLang="ko-KR" sz="1200" dirty="0" err="1">
-                <a:solidFill>
-                  <a:schemeClr val="tx1"/>
-                </a:solidFill>
-              </a:rPr>
-              <a:t>worker</a:t>
-            </a:r>
-            <a:r>
-              <a:rPr lang="en-US" altLang="ko-KR" sz="1200" dirty="0" err="1" smtClean="0">
-                <a:solidFill>
-                  <a:schemeClr val="tx1"/>
-                </a:solidFill>
-              </a:rPr>
-              <a:t>CheckAPI</a:t>
-            </a:r>
-            <a:endParaRPr lang="ko-KR" altLang="en-US" sz="1200" dirty="0">
-              <a:solidFill>
-                <a:schemeClr val="tx1"/>
-              </a:solidFill>
-            </a:endParaRPr>
-          </a:p>
-        </p:txBody>
-      </p:sp>
-      <p:cxnSp>
-        <p:nvCxnSpPr>
-          <p:cNvPr id="15" name="직선 화살표 연결선 14"/>
-          <p:cNvCxnSpPr>
-            <a:stCxn id="7" idx="3"/>
-            <a:endCxn id="8" idx="1"/>
-          </p:cNvCxnSpPr>
-          <p:nvPr/>
-        </p:nvCxnSpPr>
-        <p:spPr>
-          <a:xfrm>
-            <a:off x="5910724" y="1914040"/>
-            <a:ext cx="493363" cy="0"/>
-          </a:xfrm>
-          <a:prstGeom prst="straightConnector1">
-            <a:avLst/>
+          <a:xfrm rot="5400000" flipH="1" flipV="1">
+            <a:off x="2555929" y="388749"/>
+            <a:ext cx="1" cy="2105186"/>
+          </a:xfrm>
+          <a:prstGeom prst="curvedConnector3">
+            <a:avLst>
+              <a:gd name="adj1" fmla="val 22860100000"/>
+            </a:avLst>
           </a:prstGeom>
           <a:ln>
             <a:tailEnd type="triangle"/>
@@ -3430,20 +3287,19 @@
       </p:cxnSp>
       <p:cxnSp>
         <p:nvCxnSpPr>
-          <p:cNvPr id="24" name="직선 화살표 연결선 23"/>
-          <p:cNvCxnSpPr>
-            <a:stCxn id="19" idx="3"/>
-            <a:endCxn id="7" idx="1"/>
-          </p:cNvCxnSpPr>
+          <p:cNvPr id="17" name="구부러진 연결선 16"/>
+          <p:cNvCxnSpPr/>
           <p:nvPr/>
         </p:nvCxnSpPr>
         <p:spPr>
-          <a:xfrm>
-            <a:off x="3805538" y="1914040"/>
-            <a:ext cx="493363" cy="0"/>
-          </a:xfrm>
-          <a:prstGeom prst="straightConnector1">
-            <a:avLst/>
+          <a:xfrm rot="5400000" flipH="1" flipV="1">
+            <a:off x="4661113" y="388745"/>
+            <a:ext cx="1" cy="2105186"/>
+          </a:xfrm>
+          <a:prstGeom prst="curvedConnector3">
+            <a:avLst>
+              <a:gd name="adj1" fmla="val 22860100000"/>
+            </a:avLst>
           </a:prstGeom>
           <a:ln>
             <a:tailEnd type="triangle"/>
@@ -3466,20 +3322,19 @@
       </p:cxnSp>
       <p:cxnSp>
         <p:nvCxnSpPr>
-          <p:cNvPr id="26" name="직선 화살표 연결선 25"/>
-          <p:cNvCxnSpPr>
-            <a:stCxn id="8" idx="2"/>
-            <a:endCxn id="9" idx="1"/>
-          </p:cNvCxnSpPr>
+          <p:cNvPr id="18" name="구부러진 연결선 17"/>
+          <p:cNvCxnSpPr/>
           <p:nvPr/>
         </p:nvCxnSpPr>
         <p:spPr>
-          <a:xfrm rot="16200000" flipH="1">
-            <a:off x="7624875" y="1971862"/>
-            <a:ext cx="469523" cy="1299274"/>
-          </a:xfrm>
-          <a:prstGeom prst="bentConnector2">
-            <a:avLst/>
+          <a:xfrm rot="5400000" flipH="1" flipV="1">
+            <a:off x="6766300" y="388742"/>
+            <a:ext cx="1" cy="2105186"/>
+          </a:xfrm>
+          <a:prstGeom prst="curvedConnector3">
+            <a:avLst>
+              <a:gd name="adj1" fmla="val 22860100000"/>
+            </a:avLst>
           </a:prstGeom>
           <a:ln>
             <a:tailEnd type="triangle"/>
@@ -3502,19 +3357,250 @@
       </p:cxnSp>
       <p:cxnSp>
         <p:nvCxnSpPr>
-          <p:cNvPr id="29" name="직선 화살표 연결선 28"/>
+          <p:cNvPr id="20" name="구부러진 연결선 19"/>
+          <p:cNvCxnSpPr/>
+          <p:nvPr/>
+        </p:nvCxnSpPr>
+        <p:spPr>
+          <a:xfrm rot="5400000" flipH="1" flipV="1">
+            <a:off x="8871485" y="388735"/>
+            <a:ext cx="1" cy="2105186"/>
+          </a:xfrm>
+          <a:prstGeom prst="curvedConnector3">
+            <a:avLst>
+              <a:gd name="adj1" fmla="val 22860100000"/>
+            </a:avLst>
+          </a:prstGeom>
+          <a:ln>
+            <a:tailEnd type="triangle"/>
+          </a:ln>
+        </p:spPr>
+        <p:style>
+          <a:lnRef idx="1">
+            <a:schemeClr val="accent1"/>
+          </a:lnRef>
+          <a:fillRef idx="0">
+            <a:schemeClr val="accent1"/>
+          </a:fillRef>
+          <a:effectRef idx="0">
+            <a:schemeClr val="accent1"/>
+          </a:effectRef>
+          <a:fontRef idx="minor">
+            <a:schemeClr val="tx1"/>
+          </a:fontRef>
+        </p:style>
+      </p:cxnSp>
+      <p:cxnSp>
+        <p:nvCxnSpPr>
+          <p:cNvPr id="22" name="구부러진 연결선 21"/>
           <p:cNvCxnSpPr>
-            <a:stCxn id="8" idx="0"/>
-            <a:endCxn id="28" idx="1"/>
+            <a:stCxn id="6" idx="2"/>
+            <a:endCxn id="7" idx="2"/>
           </p:cNvCxnSpPr>
           <p:nvPr/>
         </p:nvCxnSpPr>
         <p:spPr>
           <a:xfrm rot="5400000" flipH="1" flipV="1">
-            <a:off x="7749113" y="681183"/>
-            <a:ext cx="221044" cy="1299273"/>
-          </a:xfrm>
-          <a:prstGeom prst="bentConnector2">
+            <a:off x="2555928" y="1334146"/>
+            <a:ext cx="1" cy="2105186"/>
+          </a:xfrm>
+          <a:prstGeom prst="curvedConnector3">
+            <a:avLst>
+              <a:gd name="adj1" fmla="val -22860000000"/>
+            </a:avLst>
+          </a:prstGeom>
+          <a:ln>
+            <a:tailEnd type="triangle"/>
+          </a:ln>
+        </p:spPr>
+        <p:style>
+          <a:lnRef idx="1">
+            <a:schemeClr val="accent1"/>
+          </a:lnRef>
+          <a:fillRef idx="0">
+            <a:schemeClr val="accent1"/>
+          </a:fillRef>
+          <a:effectRef idx="0">
+            <a:schemeClr val="accent1"/>
+          </a:effectRef>
+          <a:fontRef idx="minor">
+            <a:schemeClr val="tx1"/>
+          </a:fontRef>
+        </p:style>
+      </p:cxnSp>
+      <p:cxnSp>
+        <p:nvCxnSpPr>
+          <p:cNvPr id="24" name="구부러진 연결선 23"/>
+          <p:cNvCxnSpPr/>
+          <p:nvPr/>
+        </p:nvCxnSpPr>
+        <p:spPr>
+          <a:xfrm rot="5400000" flipH="1" flipV="1">
+            <a:off x="4661113" y="1334139"/>
+            <a:ext cx="1" cy="2105186"/>
+          </a:xfrm>
+          <a:prstGeom prst="curvedConnector3">
+            <a:avLst>
+              <a:gd name="adj1" fmla="val -22860000000"/>
+            </a:avLst>
+          </a:prstGeom>
+          <a:ln>
+            <a:tailEnd type="triangle"/>
+          </a:ln>
+        </p:spPr>
+        <p:style>
+          <a:lnRef idx="1">
+            <a:schemeClr val="accent1"/>
+          </a:lnRef>
+          <a:fillRef idx="0">
+            <a:schemeClr val="accent1"/>
+          </a:fillRef>
+          <a:effectRef idx="0">
+            <a:schemeClr val="accent1"/>
+          </a:effectRef>
+          <a:fontRef idx="minor">
+            <a:schemeClr val="tx1"/>
+          </a:fontRef>
+        </p:style>
+      </p:cxnSp>
+      <p:cxnSp>
+        <p:nvCxnSpPr>
+          <p:cNvPr id="25" name="구부러진 연결선 24"/>
+          <p:cNvCxnSpPr/>
+          <p:nvPr/>
+        </p:nvCxnSpPr>
+        <p:spPr>
+          <a:xfrm rot="5400000" flipH="1" flipV="1">
+            <a:off x="6766299" y="1334125"/>
+            <a:ext cx="1" cy="2105186"/>
+          </a:xfrm>
+          <a:prstGeom prst="curvedConnector3">
+            <a:avLst>
+              <a:gd name="adj1" fmla="val -22860000000"/>
+            </a:avLst>
+          </a:prstGeom>
+          <a:ln>
+            <a:tailEnd type="triangle"/>
+          </a:ln>
+        </p:spPr>
+        <p:style>
+          <a:lnRef idx="1">
+            <a:schemeClr val="accent1"/>
+          </a:lnRef>
+          <a:fillRef idx="0">
+            <a:schemeClr val="accent1"/>
+          </a:fillRef>
+          <a:effectRef idx="0">
+            <a:schemeClr val="accent1"/>
+          </a:effectRef>
+          <a:fontRef idx="minor">
+            <a:schemeClr val="tx1"/>
+          </a:fontRef>
+        </p:style>
+      </p:cxnSp>
+      <p:cxnSp>
+        <p:nvCxnSpPr>
+          <p:cNvPr id="26" name="구부러진 연결선 25"/>
+          <p:cNvCxnSpPr/>
+          <p:nvPr/>
+        </p:nvCxnSpPr>
+        <p:spPr>
+          <a:xfrm rot="5400000" flipH="1" flipV="1">
+            <a:off x="8871485" y="1334106"/>
+            <a:ext cx="1" cy="2105186"/>
+          </a:xfrm>
+          <a:prstGeom prst="curvedConnector3">
+            <a:avLst>
+              <a:gd name="adj1" fmla="val -22860000000"/>
+            </a:avLst>
+          </a:prstGeom>
+          <a:ln>
+            <a:tailEnd type="triangle"/>
+          </a:ln>
+        </p:spPr>
+        <p:style>
+          <a:lnRef idx="1">
+            <a:schemeClr val="accent1"/>
+          </a:lnRef>
+          <a:fillRef idx="0">
+            <a:schemeClr val="accent1"/>
+          </a:fillRef>
+          <a:effectRef idx="0">
+            <a:schemeClr val="accent1"/>
+          </a:effectRef>
+          <a:fontRef idx="minor">
+            <a:schemeClr val="tx1"/>
+          </a:fontRef>
+        </p:style>
+      </p:cxnSp>
+      <p:sp>
+        <p:nvSpPr>
+          <p:cNvPr id="28" name="직사각형 27"/>
+          <p:cNvSpPr/>
+          <p:nvPr/>
+        </p:nvSpPr>
+        <p:spPr>
+          <a:xfrm>
+            <a:off x="7012982" y="3251983"/>
+            <a:ext cx="1611823" cy="945397"/>
+          </a:xfrm>
+          <a:prstGeom prst="rect">
+            <a:avLst/>
+          </a:prstGeom>
+          <a:noFill/>
+        </p:spPr>
+        <p:style>
+          <a:lnRef idx="2">
+            <a:schemeClr val="accent1">
+              <a:shade val="50000"/>
+            </a:schemeClr>
+          </a:lnRef>
+          <a:fillRef idx="1">
+            <a:schemeClr val="accent1"/>
+          </a:fillRef>
+          <a:effectRef idx="0">
+            <a:schemeClr val="accent1"/>
+          </a:effectRef>
+          <a:fontRef idx="minor">
+            <a:schemeClr val="lt1"/>
+          </a:fontRef>
+        </p:style>
+        <p:txBody>
+          <a:bodyPr rtlCol="0" anchor="ctr"/>
+          <a:lstStyle/>
+          <a:p>
+            <a:pPr algn="ctr"/>
+            <a:r>
+              <a:rPr lang="en-US" altLang="ko-KR" dirty="0" smtClean="0">
+                <a:solidFill>
+                  <a:schemeClr val="tx1"/>
+                </a:solidFill>
+              </a:rPr>
+              <a:t>domain</a:t>
+            </a:r>
+            <a:endParaRPr lang="ko-KR" altLang="en-US" dirty="0">
+              <a:solidFill>
+                <a:schemeClr val="tx1"/>
+              </a:solidFill>
+            </a:endParaRPr>
+          </a:p>
+        </p:txBody>
+      </p:sp>
+      <p:cxnSp>
+        <p:nvCxnSpPr>
+          <p:cNvPr id="30" name="직선 화살표 연결선 29"/>
+          <p:cNvCxnSpPr>
+            <a:stCxn id="9" idx="2"/>
+            <a:endCxn id="28" idx="0"/>
+          </p:cNvCxnSpPr>
+          <p:nvPr/>
+        </p:nvCxnSpPr>
+        <p:spPr>
+          <a:xfrm>
+            <a:off x="7818894" y="2386737"/>
+            <a:ext cx="0" cy="865246"/>
+          </a:xfrm>
+          <a:prstGeom prst="straightConnector1">
             <a:avLst/>
           </a:prstGeom>
           <a:ln>
@@ -3546,6 +3632,2309 @@
   <p:clrMapOvr>
     <a:masterClrMapping/>
   </p:clrMapOvr>
+  <p:timing>
+    <p:tnLst>
+      <p:par>
+        <p:cTn id="1" dur="indefinite" restart="never" nodeType="tmRoot"/>
+      </p:par>
+    </p:tnLst>
+  </p:timing>
+</p:sld>
+</file>
+
+<file path=ppt/slides/slide2.xml><?xml version="1.0" encoding="utf-8"?>
+<p:sld xmlns:a="http://schemas.openxmlformats.org/drawingml/2006/main" xmlns:r="http://schemas.openxmlformats.org/officeDocument/2006/relationships" xmlns:p="http://schemas.openxmlformats.org/presentationml/2006/main">
+  <p:cSld>
+    <p:spTree>
+      <p:nvGrpSpPr>
+        <p:cNvPr id="1" name=""/>
+        <p:cNvGrpSpPr/>
+        <p:nvPr/>
+      </p:nvGrpSpPr>
+      <p:grpSpPr>
+        <a:xfrm>
+          <a:off x="0" y="0"/>
+          <a:ext cx="0" cy="0"/>
+          <a:chOff x="0" y="0"/>
+          <a:chExt cx="0" cy="0"/>
+        </a:xfrm>
+      </p:grpSpPr>
+      <p:sp>
+        <p:nvSpPr>
+          <p:cNvPr id="54" name="직사각형 53"/>
+          <p:cNvSpPr/>
+          <p:nvPr/>
+        </p:nvSpPr>
+        <p:spPr>
+          <a:xfrm>
+            <a:off x="4183826" y="910623"/>
+            <a:ext cx="3566160" cy="3250277"/>
+          </a:xfrm>
+          <a:prstGeom prst="rect">
+            <a:avLst/>
+          </a:prstGeom>
+          <a:solidFill>
+            <a:schemeClr val="accent6">
+              <a:alpha val="50000"/>
+            </a:schemeClr>
+          </a:solidFill>
+          <a:ln>
+            <a:solidFill>
+              <a:schemeClr val="accent6">
+                <a:lumMod val="75000"/>
+              </a:schemeClr>
+            </a:solidFill>
+          </a:ln>
+        </p:spPr>
+        <p:style>
+          <a:lnRef idx="0">
+            <a:scrgbClr r="0" g="0" b="0"/>
+          </a:lnRef>
+          <a:fillRef idx="0">
+            <a:scrgbClr r="0" g="0" b="0"/>
+          </a:fillRef>
+          <a:effectRef idx="0">
+            <a:scrgbClr r="0" g="0" b="0"/>
+          </a:effectRef>
+          <a:fontRef idx="minor">
+            <a:schemeClr val="lt1"/>
+          </a:fontRef>
+        </p:style>
+        <p:txBody>
+          <a:bodyPr rtlCol="0" anchor="ctr"/>
+          <a:lstStyle/>
+          <a:p>
+            <a:pPr algn="ctr"/>
+            <a:endParaRPr lang="ko-KR" altLang="en-US"/>
+          </a:p>
+        </p:txBody>
+      </p:sp>
+      <p:sp>
+        <p:nvSpPr>
+          <p:cNvPr id="5" name="직사각형 4"/>
+          <p:cNvSpPr/>
+          <p:nvPr/>
+        </p:nvSpPr>
+        <p:spPr>
+          <a:xfrm>
+            <a:off x="4662021" y="1592581"/>
+            <a:ext cx="986722" cy="642918"/>
+          </a:xfrm>
+          <a:prstGeom prst="rect">
+            <a:avLst/>
+          </a:prstGeom>
+          <a:solidFill>
+            <a:schemeClr val="bg1"/>
+          </a:solidFill>
+          <a:ln>
+            <a:solidFill>
+              <a:schemeClr val="accent6"/>
+            </a:solidFill>
+          </a:ln>
+        </p:spPr>
+        <p:style>
+          <a:lnRef idx="2">
+            <a:schemeClr val="accent1">
+              <a:shade val="50000"/>
+            </a:schemeClr>
+          </a:lnRef>
+          <a:fillRef idx="1">
+            <a:schemeClr val="accent1"/>
+          </a:fillRef>
+          <a:effectRef idx="0">
+            <a:schemeClr val="accent1"/>
+          </a:effectRef>
+          <a:fontRef idx="minor">
+            <a:schemeClr val="lt1"/>
+          </a:fontRef>
+        </p:style>
+        <p:txBody>
+          <a:bodyPr rtlCol="0" anchor="ctr"/>
+          <a:lstStyle/>
+          <a:p>
+            <a:pPr algn="ctr"/>
+            <a:r>
+              <a:rPr lang="en-US" altLang="ko-KR" sz="1200" dirty="0" smtClean="0">
+                <a:solidFill>
+                  <a:schemeClr val="tx1"/>
+                </a:solidFill>
+              </a:rPr>
+              <a:t>Controller</a:t>
+            </a:r>
+            <a:endParaRPr lang="ko-KR" altLang="en-US" sz="1200" dirty="0">
+              <a:solidFill>
+                <a:schemeClr val="tx1"/>
+              </a:solidFill>
+            </a:endParaRPr>
+          </a:p>
+        </p:txBody>
+      </p:sp>
+      <p:sp>
+        <p:nvSpPr>
+          <p:cNvPr id="6" name="직사각형 5"/>
+          <p:cNvSpPr/>
+          <p:nvPr/>
+        </p:nvSpPr>
+        <p:spPr>
+          <a:xfrm>
+            <a:off x="6285069" y="1592581"/>
+            <a:ext cx="986722" cy="642918"/>
+          </a:xfrm>
+          <a:prstGeom prst="rect">
+            <a:avLst/>
+          </a:prstGeom>
+          <a:solidFill>
+            <a:schemeClr val="bg1"/>
+          </a:solidFill>
+          <a:ln>
+            <a:solidFill>
+              <a:schemeClr val="accent6"/>
+            </a:solidFill>
+          </a:ln>
+        </p:spPr>
+        <p:style>
+          <a:lnRef idx="2">
+            <a:schemeClr val="accent1">
+              <a:shade val="50000"/>
+            </a:schemeClr>
+          </a:lnRef>
+          <a:fillRef idx="1">
+            <a:schemeClr val="accent1"/>
+          </a:fillRef>
+          <a:effectRef idx="0">
+            <a:schemeClr val="accent1"/>
+          </a:effectRef>
+          <a:fontRef idx="minor">
+            <a:schemeClr val="lt1"/>
+          </a:fontRef>
+        </p:style>
+        <p:txBody>
+          <a:bodyPr rtlCol="0" anchor="ctr"/>
+          <a:lstStyle/>
+          <a:p>
+            <a:pPr algn="ctr"/>
+            <a:r>
+              <a:rPr lang="en-US" altLang="ko-KR" sz="1200" dirty="0" smtClean="0">
+                <a:solidFill>
+                  <a:schemeClr val="tx1"/>
+                </a:solidFill>
+              </a:rPr>
+              <a:t>Service</a:t>
+            </a:r>
+            <a:endParaRPr lang="ko-KR" altLang="en-US" sz="1200" dirty="0">
+              <a:solidFill>
+                <a:schemeClr val="tx1"/>
+              </a:solidFill>
+            </a:endParaRPr>
+          </a:p>
+        </p:txBody>
+      </p:sp>
+      <p:sp>
+        <p:nvSpPr>
+          <p:cNvPr id="7" name="직사각형 6"/>
+          <p:cNvSpPr/>
+          <p:nvPr/>
+        </p:nvSpPr>
+        <p:spPr>
+          <a:xfrm>
+            <a:off x="6285069" y="2836026"/>
+            <a:ext cx="986722" cy="642918"/>
+          </a:xfrm>
+          <a:prstGeom prst="rect">
+            <a:avLst/>
+          </a:prstGeom>
+          <a:solidFill>
+            <a:schemeClr val="bg1"/>
+          </a:solidFill>
+          <a:ln>
+            <a:solidFill>
+              <a:schemeClr val="accent6"/>
+            </a:solidFill>
+          </a:ln>
+        </p:spPr>
+        <p:style>
+          <a:lnRef idx="2">
+            <a:schemeClr val="accent1">
+              <a:shade val="50000"/>
+            </a:schemeClr>
+          </a:lnRef>
+          <a:fillRef idx="1">
+            <a:schemeClr val="accent1"/>
+          </a:fillRef>
+          <a:effectRef idx="0">
+            <a:schemeClr val="accent1"/>
+          </a:effectRef>
+          <a:fontRef idx="minor">
+            <a:schemeClr val="lt1"/>
+          </a:fontRef>
+        </p:style>
+        <p:txBody>
+          <a:bodyPr rtlCol="0" anchor="ctr"/>
+          <a:lstStyle/>
+          <a:p>
+            <a:pPr algn="ctr"/>
+            <a:r>
+              <a:rPr lang="en-US" altLang="ko-KR" sz="1200" dirty="0" smtClean="0">
+                <a:solidFill>
+                  <a:schemeClr val="tx1"/>
+                </a:solidFill>
+              </a:rPr>
+              <a:t>Repository</a:t>
+            </a:r>
+            <a:endParaRPr lang="ko-KR" altLang="en-US" sz="1200" dirty="0">
+              <a:solidFill>
+                <a:schemeClr val="tx1"/>
+              </a:solidFill>
+            </a:endParaRPr>
+          </a:p>
+        </p:txBody>
+      </p:sp>
+      <p:sp>
+        <p:nvSpPr>
+          <p:cNvPr id="8" name="직사각형 7"/>
+          <p:cNvSpPr/>
+          <p:nvPr/>
+        </p:nvSpPr>
+        <p:spPr>
+          <a:xfrm>
+            <a:off x="4662021" y="2836026"/>
+            <a:ext cx="986722" cy="642918"/>
+          </a:xfrm>
+          <a:prstGeom prst="rect">
+            <a:avLst/>
+          </a:prstGeom>
+          <a:solidFill>
+            <a:schemeClr val="bg1"/>
+          </a:solidFill>
+          <a:ln>
+            <a:solidFill>
+              <a:schemeClr val="accent6"/>
+            </a:solidFill>
+          </a:ln>
+        </p:spPr>
+        <p:style>
+          <a:lnRef idx="2">
+            <a:schemeClr val="accent1">
+              <a:shade val="50000"/>
+            </a:schemeClr>
+          </a:lnRef>
+          <a:fillRef idx="1">
+            <a:schemeClr val="accent1"/>
+          </a:fillRef>
+          <a:effectRef idx="0">
+            <a:schemeClr val="accent1"/>
+          </a:effectRef>
+          <a:fontRef idx="minor">
+            <a:schemeClr val="lt1"/>
+          </a:fontRef>
+        </p:style>
+        <p:txBody>
+          <a:bodyPr rtlCol="0" anchor="ctr"/>
+          <a:lstStyle/>
+          <a:p>
+            <a:pPr algn="ctr"/>
+            <a:r>
+              <a:rPr lang="en-US" altLang="ko-KR" sz="1200" dirty="0" smtClean="0">
+                <a:solidFill>
+                  <a:schemeClr val="tx1"/>
+                </a:solidFill>
+              </a:rPr>
+              <a:t>MySQL</a:t>
+            </a:r>
+            <a:endParaRPr lang="ko-KR" altLang="en-US" sz="1200" dirty="0">
+              <a:solidFill>
+                <a:schemeClr val="tx1"/>
+              </a:solidFill>
+            </a:endParaRPr>
+          </a:p>
+        </p:txBody>
+      </p:sp>
+      <p:cxnSp>
+        <p:nvCxnSpPr>
+          <p:cNvPr id="39" name="직선 화살표 연결선 38"/>
+          <p:cNvCxnSpPr/>
+          <p:nvPr/>
+        </p:nvCxnSpPr>
+        <p:spPr>
+          <a:xfrm>
+            <a:off x="5648743" y="1729047"/>
+            <a:ext cx="636326" cy="0"/>
+          </a:xfrm>
+          <a:prstGeom prst="straightConnector1">
+            <a:avLst/>
+          </a:prstGeom>
+          <a:ln>
+            <a:tailEnd type="triangle"/>
+          </a:ln>
+        </p:spPr>
+        <p:style>
+          <a:lnRef idx="1">
+            <a:schemeClr val="accent1"/>
+          </a:lnRef>
+          <a:fillRef idx="0">
+            <a:schemeClr val="accent1"/>
+          </a:fillRef>
+          <a:effectRef idx="0">
+            <a:schemeClr val="accent1"/>
+          </a:effectRef>
+          <a:fontRef idx="minor">
+            <a:schemeClr val="tx1"/>
+          </a:fontRef>
+        </p:style>
+      </p:cxnSp>
+      <p:cxnSp>
+        <p:nvCxnSpPr>
+          <p:cNvPr id="41" name="직선 화살표 연결선 40"/>
+          <p:cNvCxnSpPr/>
+          <p:nvPr/>
+        </p:nvCxnSpPr>
+        <p:spPr>
+          <a:xfrm>
+            <a:off x="7074131" y="2235499"/>
+            <a:ext cx="0" cy="600527"/>
+          </a:xfrm>
+          <a:prstGeom prst="straightConnector1">
+            <a:avLst/>
+          </a:prstGeom>
+          <a:ln>
+            <a:tailEnd type="triangle"/>
+          </a:ln>
+        </p:spPr>
+        <p:style>
+          <a:lnRef idx="1">
+            <a:schemeClr val="accent1"/>
+          </a:lnRef>
+          <a:fillRef idx="0">
+            <a:schemeClr val="accent1"/>
+          </a:fillRef>
+          <a:effectRef idx="0">
+            <a:schemeClr val="accent1"/>
+          </a:effectRef>
+          <a:fontRef idx="minor">
+            <a:schemeClr val="tx1"/>
+          </a:fontRef>
+        </p:style>
+      </p:cxnSp>
+      <p:cxnSp>
+        <p:nvCxnSpPr>
+          <p:cNvPr id="45" name="직선 화살표 연결선 44"/>
+          <p:cNvCxnSpPr/>
+          <p:nvPr/>
+        </p:nvCxnSpPr>
+        <p:spPr>
+          <a:xfrm flipH="1">
+            <a:off x="5648743" y="3300153"/>
+            <a:ext cx="636326" cy="0"/>
+          </a:xfrm>
+          <a:prstGeom prst="straightConnector1">
+            <a:avLst/>
+          </a:prstGeom>
+          <a:ln>
+            <a:tailEnd type="triangle"/>
+          </a:ln>
+        </p:spPr>
+        <p:style>
+          <a:lnRef idx="1">
+            <a:schemeClr val="accent1"/>
+          </a:lnRef>
+          <a:fillRef idx="0">
+            <a:schemeClr val="accent1"/>
+          </a:fillRef>
+          <a:effectRef idx="0">
+            <a:schemeClr val="accent1"/>
+          </a:effectRef>
+          <a:fontRef idx="minor">
+            <a:schemeClr val="tx1"/>
+          </a:fontRef>
+        </p:style>
+      </p:cxnSp>
+      <p:cxnSp>
+        <p:nvCxnSpPr>
+          <p:cNvPr id="47" name="직선 화살표 연결선 46"/>
+          <p:cNvCxnSpPr/>
+          <p:nvPr/>
+        </p:nvCxnSpPr>
+        <p:spPr>
+          <a:xfrm>
+            <a:off x="5648743" y="2984269"/>
+            <a:ext cx="636326" cy="0"/>
+          </a:xfrm>
+          <a:prstGeom prst="straightConnector1">
+            <a:avLst/>
+          </a:prstGeom>
+          <a:ln>
+            <a:tailEnd type="triangle"/>
+          </a:ln>
+        </p:spPr>
+        <p:style>
+          <a:lnRef idx="1">
+            <a:schemeClr val="accent1"/>
+          </a:lnRef>
+          <a:fillRef idx="0">
+            <a:schemeClr val="accent1"/>
+          </a:fillRef>
+          <a:effectRef idx="0">
+            <a:schemeClr val="accent1"/>
+          </a:effectRef>
+          <a:fontRef idx="minor">
+            <a:schemeClr val="tx1"/>
+          </a:fontRef>
+        </p:style>
+      </p:cxnSp>
+      <p:cxnSp>
+        <p:nvCxnSpPr>
+          <p:cNvPr id="49" name="직선 화살표 연결선 48"/>
+          <p:cNvCxnSpPr/>
+          <p:nvPr/>
+        </p:nvCxnSpPr>
+        <p:spPr>
+          <a:xfrm flipV="1">
+            <a:off x="6533804" y="2235499"/>
+            <a:ext cx="0" cy="600527"/>
+          </a:xfrm>
+          <a:prstGeom prst="straightConnector1">
+            <a:avLst/>
+          </a:prstGeom>
+          <a:ln>
+            <a:tailEnd type="triangle"/>
+          </a:ln>
+        </p:spPr>
+        <p:style>
+          <a:lnRef idx="1">
+            <a:schemeClr val="accent1"/>
+          </a:lnRef>
+          <a:fillRef idx="0">
+            <a:schemeClr val="accent1"/>
+          </a:fillRef>
+          <a:effectRef idx="0">
+            <a:schemeClr val="accent1"/>
+          </a:effectRef>
+          <a:fontRef idx="minor">
+            <a:schemeClr val="tx1"/>
+          </a:fontRef>
+        </p:style>
+      </p:cxnSp>
+      <p:cxnSp>
+        <p:nvCxnSpPr>
+          <p:cNvPr id="53" name="직선 화살표 연결선 52"/>
+          <p:cNvCxnSpPr/>
+          <p:nvPr/>
+        </p:nvCxnSpPr>
+        <p:spPr>
+          <a:xfrm flipH="1">
+            <a:off x="5648743" y="2094807"/>
+            <a:ext cx="636326" cy="0"/>
+          </a:xfrm>
+          <a:prstGeom prst="straightConnector1">
+            <a:avLst/>
+          </a:prstGeom>
+          <a:ln>
+            <a:tailEnd type="triangle"/>
+          </a:ln>
+        </p:spPr>
+        <p:style>
+          <a:lnRef idx="1">
+            <a:schemeClr val="accent1"/>
+          </a:lnRef>
+          <a:fillRef idx="0">
+            <a:schemeClr val="accent1"/>
+          </a:fillRef>
+          <a:effectRef idx="0">
+            <a:schemeClr val="accent1"/>
+          </a:effectRef>
+          <a:fontRef idx="minor">
+            <a:schemeClr val="tx1"/>
+          </a:fontRef>
+        </p:style>
+      </p:cxnSp>
+      <p:pic>
+        <p:nvPicPr>
+          <p:cNvPr id="1026" name="Picture 2" descr="스프링(Spring), 스프링 부트(Spring Boot)란? 개념 정리 - Easy is Perfect"/>
+          <p:cNvPicPr>
+            <a:picLocks noChangeAspect="1" noChangeArrowheads="1"/>
+          </p:cNvPicPr>
+          <p:nvPr/>
+        </p:nvPicPr>
+        <p:blipFill>
+          <a:blip r:embed="rId2">
+            <a:extLst>
+              <a:ext uri="{28A0092B-C50C-407E-A947-70E740481C1C}">
+                <a14:useLocalDpi xmlns:a14="http://schemas.microsoft.com/office/drawing/2010/main" val="0"/>
+              </a:ext>
+            </a:extLst>
+          </a:blip>
+          <a:srcRect/>
+          <a:stretch>
+            <a:fillRect/>
+          </a:stretch>
+        </p:blipFill>
+        <p:spPr bwMode="auto">
+          <a:xfrm>
+            <a:off x="5023330" y="419401"/>
+            <a:ext cx="1887152" cy="485633"/>
+          </a:xfrm>
+          <a:prstGeom prst="rect">
+            <a:avLst/>
+          </a:prstGeom>
+          <a:noFill/>
+          <a:extLst>
+            <a:ext uri="{909E8E84-426E-40DD-AFC4-6F175D3DCCD1}">
+              <a14:hiddenFill xmlns:a14="http://schemas.microsoft.com/office/drawing/2010/main">
+                <a:solidFill>
+                  <a:srgbClr val="FFFFFF"/>
+                </a:solidFill>
+              </a14:hiddenFill>
+            </a:ext>
+          </a:extLst>
+        </p:spPr>
+      </p:pic>
+      <p:sp>
+        <p:nvSpPr>
+          <p:cNvPr id="57" name="직사각형 56"/>
+          <p:cNvSpPr/>
+          <p:nvPr/>
+        </p:nvSpPr>
+        <p:spPr>
+          <a:xfrm>
+            <a:off x="574653" y="905034"/>
+            <a:ext cx="2126984" cy="3250277"/>
+          </a:xfrm>
+          <a:prstGeom prst="rect">
+            <a:avLst/>
+          </a:prstGeom>
+          <a:solidFill>
+            <a:schemeClr val="accent1">
+              <a:alpha val="50000"/>
+            </a:schemeClr>
+          </a:solidFill>
+          <a:ln>
+            <a:solidFill>
+              <a:schemeClr val="accent5"/>
+            </a:solidFill>
+          </a:ln>
+        </p:spPr>
+        <p:style>
+          <a:lnRef idx="0">
+            <a:scrgbClr r="0" g="0" b="0"/>
+          </a:lnRef>
+          <a:fillRef idx="0">
+            <a:scrgbClr r="0" g="0" b="0"/>
+          </a:fillRef>
+          <a:effectRef idx="0">
+            <a:scrgbClr r="0" g="0" b="0"/>
+          </a:effectRef>
+          <a:fontRef idx="minor">
+            <a:schemeClr val="lt1"/>
+          </a:fontRef>
+        </p:style>
+        <p:txBody>
+          <a:bodyPr rtlCol="0" anchor="ctr"/>
+          <a:lstStyle/>
+          <a:p>
+            <a:pPr algn="ctr"/>
+            <a:endParaRPr lang="ko-KR" altLang="en-US"/>
+          </a:p>
+        </p:txBody>
+      </p:sp>
+      <p:pic>
+        <p:nvPicPr>
+          <p:cNvPr id="1028" name="Picture 4" descr="리액트 (자바스크립트 라이브러리) - 위키백과, 우리 모두의 백과사전"/>
+          <p:cNvPicPr>
+            <a:picLocks noChangeAspect="1" noChangeArrowheads="1"/>
+          </p:cNvPicPr>
+          <p:nvPr/>
+        </p:nvPicPr>
+        <p:blipFill>
+          <a:blip r:embed="rId3" cstate="print">
+            <a:extLst>
+              <a:ext uri="{28A0092B-C50C-407E-A947-70E740481C1C}">
+                <a14:useLocalDpi xmlns:a14="http://schemas.microsoft.com/office/drawing/2010/main" val="0"/>
+              </a:ext>
+            </a:extLst>
+          </a:blip>
+          <a:srcRect/>
+          <a:stretch>
+            <a:fillRect/>
+          </a:stretch>
+        </p:blipFill>
+        <p:spPr bwMode="auto">
+          <a:xfrm>
+            <a:off x="1321078" y="353337"/>
+            <a:ext cx="634134" cy="551697"/>
+          </a:xfrm>
+          <a:prstGeom prst="rect">
+            <a:avLst/>
+          </a:prstGeom>
+          <a:noFill/>
+          <a:extLst>
+            <a:ext uri="{909E8E84-426E-40DD-AFC4-6F175D3DCCD1}">
+              <a14:hiddenFill xmlns:a14="http://schemas.microsoft.com/office/drawing/2010/main">
+                <a:solidFill>
+                  <a:srgbClr val="FFFFFF"/>
+                </a:solidFill>
+              </a14:hiddenFill>
+            </a:ext>
+          </a:extLst>
+        </p:spPr>
+      </p:pic>
+      <p:sp>
+        <p:nvSpPr>
+          <p:cNvPr id="60" name="직사각형 59"/>
+          <p:cNvSpPr/>
+          <p:nvPr/>
+        </p:nvSpPr>
+        <p:spPr>
+          <a:xfrm>
+            <a:off x="1144783" y="1596044"/>
+            <a:ext cx="1033151" cy="642918"/>
+          </a:xfrm>
+          <a:prstGeom prst="rect">
+            <a:avLst/>
+          </a:prstGeom>
+          <a:solidFill>
+            <a:schemeClr val="bg1"/>
+          </a:solidFill>
+          <a:ln>
+            <a:solidFill>
+              <a:schemeClr val="accent1"/>
+            </a:solidFill>
+          </a:ln>
+        </p:spPr>
+        <p:style>
+          <a:lnRef idx="2">
+            <a:schemeClr val="accent1">
+              <a:shade val="50000"/>
+            </a:schemeClr>
+          </a:lnRef>
+          <a:fillRef idx="1">
+            <a:schemeClr val="accent1"/>
+          </a:fillRef>
+          <a:effectRef idx="0">
+            <a:schemeClr val="accent1"/>
+          </a:effectRef>
+          <a:fontRef idx="minor">
+            <a:schemeClr val="lt1"/>
+          </a:fontRef>
+        </p:style>
+        <p:txBody>
+          <a:bodyPr rtlCol="0" anchor="ctr"/>
+          <a:lstStyle/>
+          <a:p>
+            <a:pPr algn="ctr"/>
+            <a:r>
+              <a:rPr lang="en-US" altLang="ko-KR" sz="1200" dirty="0" smtClean="0">
+                <a:solidFill>
+                  <a:schemeClr val="tx1"/>
+                </a:solidFill>
+              </a:rPr>
+              <a:t>Component</a:t>
+            </a:r>
+            <a:endParaRPr lang="ko-KR" altLang="en-US" sz="1200" dirty="0">
+              <a:solidFill>
+                <a:schemeClr val="tx1"/>
+              </a:solidFill>
+            </a:endParaRPr>
+          </a:p>
+        </p:txBody>
+      </p:sp>
+      <p:cxnSp>
+        <p:nvCxnSpPr>
+          <p:cNvPr id="58" name="직선 화살표 연결선 57"/>
+          <p:cNvCxnSpPr>
+            <a:stCxn id="5" idx="1"/>
+            <a:endCxn id="57" idx="3"/>
+          </p:cNvCxnSpPr>
+          <p:nvPr/>
+        </p:nvCxnSpPr>
+        <p:spPr>
+          <a:xfrm rot="10800000" flipV="1">
+            <a:off x="2701637" y="1914039"/>
+            <a:ext cx="1960384" cy="616133"/>
+          </a:xfrm>
+          <a:prstGeom prst="bentConnector3">
+            <a:avLst>
+              <a:gd name="adj1" fmla="val 50000"/>
+            </a:avLst>
+          </a:prstGeom>
+          <a:ln>
+            <a:tailEnd type="triangle"/>
+          </a:ln>
+        </p:spPr>
+        <p:style>
+          <a:lnRef idx="1">
+            <a:schemeClr val="accent1"/>
+          </a:lnRef>
+          <a:fillRef idx="0">
+            <a:schemeClr val="accent1"/>
+          </a:fillRef>
+          <a:effectRef idx="0">
+            <a:schemeClr val="accent1"/>
+          </a:effectRef>
+          <a:fontRef idx="minor">
+            <a:schemeClr val="tx1"/>
+          </a:fontRef>
+        </p:style>
+      </p:cxnSp>
+      <p:sp>
+        <p:nvSpPr>
+          <p:cNvPr id="64" name="직사각형 63"/>
+          <p:cNvSpPr/>
+          <p:nvPr/>
+        </p:nvSpPr>
+        <p:spPr>
+          <a:xfrm>
+            <a:off x="9621769" y="905034"/>
+            <a:ext cx="2126984" cy="3250277"/>
+          </a:xfrm>
+          <a:prstGeom prst="rect">
+            <a:avLst/>
+          </a:prstGeom>
+          <a:solidFill>
+            <a:schemeClr val="tx1">
+              <a:lumMod val="50000"/>
+              <a:lumOff val="50000"/>
+              <a:alpha val="50000"/>
+            </a:schemeClr>
+          </a:solidFill>
+          <a:ln>
+            <a:solidFill>
+              <a:schemeClr val="tx1"/>
+            </a:solidFill>
+          </a:ln>
+        </p:spPr>
+        <p:style>
+          <a:lnRef idx="0">
+            <a:scrgbClr r="0" g="0" b="0"/>
+          </a:lnRef>
+          <a:fillRef idx="0">
+            <a:scrgbClr r="0" g="0" b="0"/>
+          </a:fillRef>
+          <a:effectRef idx="0">
+            <a:scrgbClr r="0" g="0" b="0"/>
+          </a:effectRef>
+          <a:fontRef idx="minor">
+            <a:schemeClr val="lt1"/>
+          </a:fontRef>
+        </p:style>
+        <p:txBody>
+          <a:bodyPr rtlCol="0" anchor="ctr"/>
+          <a:lstStyle/>
+          <a:p>
+            <a:pPr algn="ctr"/>
+            <a:endParaRPr lang="ko-KR" altLang="en-US"/>
+          </a:p>
+        </p:txBody>
+      </p:sp>
+      <p:pic>
+        <p:nvPicPr>
+          <p:cNvPr id="1030" name="Picture 6" descr="Python Flask ] 파이썬 플라스크"/>
+          <p:cNvPicPr>
+            <a:picLocks noChangeAspect="1" noChangeArrowheads="1"/>
+          </p:cNvPicPr>
+          <p:nvPr/>
+        </p:nvPicPr>
+        <p:blipFill>
+          <a:blip r:embed="rId4" cstate="print">
+            <a:extLst>
+              <a:ext uri="{28A0092B-C50C-407E-A947-70E740481C1C}">
+                <a14:useLocalDpi xmlns:a14="http://schemas.microsoft.com/office/drawing/2010/main" val="0"/>
+              </a:ext>
+            </a:extLst>
+          </a:blip>
+          <a:srcRect/>
+          <a:stretch>
+            <a:fillRect/>
+          </a:stretch>
+        </p:blipFill>
+        <p:spPr bwMode="auto">
+          <a:xfrm>
+            <a:off x="10071679" y="381261"/>
+            <a:ext cx="1269762" cy="495848"/>
+          </a:xfrm>
+          <a:prstGeom prst="rect">
+            <a:avLst/>
+          </a:prstGeom>
+          <a:noFill/>
+          <a:extLst>
+            <a:ext uri="{909E8E84-426E-40DD-AFC4-6F175D3DCCD1}">
+              <a14:hiddenFill xmlns:a14="http://schemas.microsoft.com/office/drawing/2010/main">
+                <a:solidFill>
+                  <a:srgbClr val="FFFFFF"/>
+                </a:solidFill>
+              </a14:hiddenFill>
+            </a:ext>
+          </a:extLst>
+        </p:spPr>
+      </p:pic>
+      <p:sp>
+        <p:nvSpPr>
+          <p:cNvPr id="67" name="직사각형 66"/>
+          <p:cNvSpPr/>
+          <p:nvPr/>
+        </p:nvSpPr>
+        <p:spPr>
+          <a:xfrm>
+            <a:off x="10191900" y="1592581"/>
+            <a:ext cx="986722" cy="642918"/>
+          </a:xfrm>
+          <a:prstGeom prst="rect">
+            <a:avLst/>
+          </a:prstGeom>
+          <a:solidFill>
+            <a:schemeClr val="bg1"/>
+          </a:solidFill>
+          <a:ln>
+            <a:solidFill>
+              <a:schemeClr val="tx1">
+                <a:lumMod val="65000"/>
+                <a:lumOff val="35000"/>
+              </a:schemeClr>
+            </a:solidFill>
+          </a:ln>
+        </p:spPr>
+        <p:style>
+          <a:lnRef idx="2">
+            <a:schemeClr val="accent1">
+              <a:shade val="50000"/>
+            </a:schemeClr>
+          </a:lnRef>
+          <a:fillRef idx="1">
+            <a:schemeClr val="accent1"/>
+          </a:fillRef>
+          <a:effectRef idx="0">
+            <a:schemeClr val="accent1"/>
+          </a:effectRef>
+          <a:fontRef idx="minor">
+            <a:schemeClr val="lt1"/>
+          </a:fontRef>
+        </p:style>
+        <p:txBody>
+          <a:bodyPr rtlCol="0" anchor="ctr"/>
+          <a:lstStyle/>
+          <a:p>
+            <a:pPr algn="ctr"/>
+            <a:r>
+              <a:rPr lang="en-US" altLang="ko-KR" sz="1200" dirty="0" smtClean="0">
+                <a:solidFill>
+                  <a:schemeClr val="tx1"/>
+                </a:solidFill>
+              </a:rPr>
+              <a:t>model</a:t>
+            </a:r>
+            <a:endParaRPr lang="ko-KR" altLang="en-US" sz="1200" dirty="0">
+              <a:solidFill>
+                <a:schemeClr val="tx1"/>
+              </a:solidFill>
+            </a:endParaRPr>
+          </a:p>
+        </p:txBody>
+      </p:sp>
+      <p:sp>
+        <p:nvSpPr>
+          <p:cNvPr id="72" name="직사각형 71"/>
+          <p:cNvSpPr/>
+          <p:nvPr/>
+        </p:nvSpPr>
+        <p:spPr>
+          <a:xfrm>
+            <a:off x="10191900" y="2817143"/>
+            <a:ext cx="986722" cy="642918"/>
+          </a:xfrm>
+          <a:prstGeom prst="rect">
+            <a:avLst/>
+          </a:prstGeom>
+          <a:solidFill>
+            <a:schemeClr val="bg1"/>
+          </a:solidFill>
+          <a:ln>
+            <a:solidFill>
+              <a:schemeClr val="tx1">
+                <a:lumMod val="65000"/>
+                <a:lumOff val="35000"/>
+              </a:schemeClr>
+            </a:solidFill>
+          </a:ln>
+        </p:spPr>
+        <p:style>
+          <a:lnRef idx="2">
+            <a:schemeClr val="accent1">
+              <a:shade val="50000"/>
+            </a:schemeClr>
+          </a:lnRef>
+          <a:fillRef idx="1">
+            <a:schemeClr val="accent1"/>
+          </a:fillRef>
+          <a:effectRef idx="0">
+            <a:schemeClr val="accent1"/>
+          </a:effectRef>
+          <a:fontRef idx="minor">
+            <a:schemeClr val="lt1"/>
+          </a:fontRef>
+        </p:style>
+        <p:txBody>
+          <a:bodyPr rtlCol="0" anchor="ctr"/>
+          <a:lstStyle/>
+          <a:p>
+            <a:pPr algn="ctr"/>
+            <a:r>
+              <a:rPr lang="en-US" altLang="ko-KR" sz="1200" dirty="0" smtClean="0">
+                <a:solidFill>
+                  <a:schemeClr val="tx1"/>
+                </a:solidFill>
+              </a:rPr>
+              <a:t>Emulator</a:t>
+            </a:r>
+            <a:endParaRPr lang="ko-KR" altLang="en-US" sz="1200" dirty="0">
+              <a:solidFill>
+                <a:schemeClr val="tx1"/>
+              </a:solidFill>
+            </a:endParaRPr>
+          </a:p>
+        </p:txBody>
+      </p:sp>
+      <p:cxnSp>
+        <p:nvCxnSpPr>
+          <p:cNvPr id="70" name="직선 화살표 연결선 69"/>
+          <p:cNvCxnSpPr>
+            <a:stCxn id="72" idx="0"/>
+            <a:endCxn id="67" idx="2"/>
+          </p:cNvCxnSpPr>
+          <p:nvPr/>
+        </p:nvCxnSpPr>
+        <p:spPr>
+          <a:xfrm flipV="1">
+            <a:off x="10685261" y="2235499"/>
+            <a:ext cx="0" cy="581644"/>
+          </a:xfrm>
+          <a:prstGeom prst="straightConnector1">
+            <a:avLst/>
+          </a:prstGeom>
+          <a:ln>
+            <a:tailEnd type="triangle"/>
+          </a:ln>
+        </p:spPr>
+        <p:style>
+          <a:lnRef idx="1">
+            <a:schemeClr val="accent1"/>
+          </a:lnRef>
+          <a:fillRef idx="0">
+            <a:schemeClr val="accent1"/>
+          </a:fillRef>
+          <a:effectRef idx="0">
+            <a:schemeClr val="accent1"/>
+          </a:effectRef>
+          <a:fontRef idx="minor">
+            <a:schemeClr val="tx1"/>
+          </a:fontRef>
+        </p:style>
+      </p:cxnSp>
+      <p:cxnSp>
+        <p:nvCxnSpPr>
+          <p:cNvPr id="1034" name="직선 화살표 연결선 1033"/>
+          <p:cNvCxnSpPr>
+            <a:stCxn id="5" idx="0"/>
+            <a:endCxn id="67" idx="0"/>
+          </p:cNvCxnSpPr>
+          <p:nvPr/>
+        </p:nvCxnSpPr>
+        <p:spPr>
+          <a:xfrm rot="5400000" flipH="1" flipV="1">
+            <a:off x="7920321" y="-1172358"/>
+            <a:ext cx="12700" cy="5529879"/>
+          </a:xfrm>
+          <a:prstGeom prst="bentConnector3">
+            <a:avLst>
+              <a:gd name="adj1" fmla="val 1800000"/>
+            </a:avLst>
+          </a:prstGeom>
+          <a:ln>
+            <a:headEnd type="triangle"/>
+            <a:tailEnd type="triangle"/>
+          </a:ln>
+        </p:spPr>
+        <p:style>
+          <a:lnRef idx="1">
+            <a:schemeClr val="accent1"/>
+          </a:lnRef>
+          <a:fillRef idx="0">
+            <a:schemeClr val="accent1"/>
+          </a:fillRef>
+          <a:effectRef idx="0">
+            <a:schemeClr val="accent1"/>
+          </a:effectRef>
+          <a:fontRef idx="minor">
+            <a:schemeClr val="tx1"/>
+          </a:fontRef>
+        </p:style>
+      </p:cxnSp>
+    </p:spTree>
+    <p:extLst>
+      <p:ext uri="{BB962C8B-B14F-4D97-AF65-F5344CB8AC3E}">
+        <p14:creationId xmlns:p14="http://schemas.microsoft.com/office/powerpoint/2010/main" val="2631531835"/>
+      </p:ext>
+    </p:extLst>
+  </p:cSld>
+  <p:clrMapOvr>
+    <a:masterClrMapping/>
+  </p:clrMapOvr>
+  <p:timing>
+    <p:tnLst>
+      <p:par>
+        <p:cTn id="1" dur="indefinite" restart="never" nodeType="tmRoot"/>
+      </p:par>
+    </p:tnLst>
+  </p:timing>
+</p:sld>
+</file>
+
+<file path=ppt/slides/slide3.xml><?xml version="1.0" encoding="utf-8"?>
+<p:sld xmlns:a="http://schemas.openxmlformats.org/drawingml/2006/main" xmlns:r="http://schemas.openxmlformats.org/officeDocument/2006/relationships" xmlns:p="http://schemas.openxmlformats.org/presentationml/2006/main">
+  <p:cSld>
+    <p:spTree>
+      <p:nvGrpSpPr>
+        <p:cNvPr id="1" name=""/>
+        <p:cNvGrpSpPr/>
+        <p:nvPr/>
+      </p:nvGrpSpPr>
+      <p:grpSpPr>
+        <a:xfrm>
+          <a:off x="0" y="0"/>
+          <a:ext cx="0" cy="0"/>
+          <a:chOff x="0" y="0"/>
+          <a:chExt cx="0" cy="0"/>
+        </a:xfrm>
+      </p:grpSpPr>
+      <p:sp>
+        <p:nvSpPr>
+          <p:cNvPr id="50" name="직사각형 49"/>
+          <p:cNvSpPr/>
+          <p:nvPr/>
+        </p:nvSpPr>
+        <p:spPr>
+          <a:xfrm>
+            <a:off x="5952207" y="5152089"/>
+            <a:ext cx="1824499" cy="1627498"/>
+          </a:xfrm>
+          <a:prstGeom prst="rect">
+            <a:avLst/>
+          </a:prstGeom>
+          <a:solidFill>
+            <a:schemeClr val="accent2">
+              <a:alpha val="50000"/>
+            </a:schemeClr>
+          </a:solidFill>
+          <a:ln>
+            <a:solidFill>
+              <a:schemeClr val="accent2"/>
+            </a:solidFill>
+          </a:ln>
+        </p:spPr>
+        <p:style>
+          <a:lnRef idx="0">
+            <a:scrgbClr r="0" g="0" b="0"/>
+          </a:lnRef>
+          <a:fillRef idx="0">
+            <a:scrgbClr r="0" g="0" b="0"/>
+          </a:fillRef>
+          <a:effectRef idx="0">
+            <a:scrgbClr r="0" g="0" b="0"/>
+          </a:effectRef>
+          <a:fontRef idx="minor">
+            <a:schemeClr val="lt1"/>
+          </a:fontRef>
+        </p:style>
+        <p:txBody>
+          <a:bodyPr rtlCol="0" anchor="ctr"/>
+          <a:lstStyle/>
+          <a:p>
+            <a:pPr algn="ctr"/>
+            <a:endParaRPr lang="ko-KR" altLang="en-US"/>
+          </a:p>
+        </p:txBody>
+      </p:sp>
+      <p:sp>
+        <p:nvSpPr>
+          <p:cNvPr id="54" name="직사각형 53"/>
+          <p:cNvSpPr/>
+          <p:nvPr/>
+        </p:nvSpPr>
+        <p:spPr>
+          <a:xfrm>
+            <a:off x="5954223" y="893656"/>
+            <a:ext cx="1824499" cy="3250277"/>
+          </a:xfrm>
+          <a:prstGeom prst="rect">
+            <a:avLst/>
+          </a:prstGeom>
+          <a:solidFill>
+            <a:schemeClr val="accent6">
+              <a:alpha val="50000"/>
+            </a:schemeClr>
+          </a:solidFill>
+          <a:ln>
+            <a:solidFill>
+              <a:schemeClr val="accent6">
+                <a:lumMod val="75000"/>
+              </a:schemeClr>
+            </a:solidFill>
+          </a:ln>
+        </p:spPr>
+        <p:style>
+          <a:lnRef idx="0">
+            <a:scrgbClr r="0" g="0" b="0"/>
+          </a:lnRef>
+          <a:fillRef idx="0">
+            <a:scrgbClr r="0" g="0" b="0"/>
+          </a:fillRef>
+          <a:effectRef idx="0">
+            <a:scrgbClr r="0" g="0" b="0"/>
+          </a:effectRef>
+          <a:fontRef idx="minor">
+            <a:schemeClr val="lt1"/>
+          </a:fontRef>
+        </p:style>
+        <p:txBody>
+          <a:bodyPr rtlCol="0" anchor="ctr"/>
+          <a:lstStyle/>
+          <a:p>
+            <a:pPr algn="ctr"/>
+            <a:endParaRPr lang="ko-KR" altLang="en-US"/>
+          </a:p>
+        </p:txBody>
+      </p:sp>
+      <p:sp>
+        <p:nvSpPr>
+          <p:cNvPr id="5" name="직사각형 4"/>
+          <p:cNvSpPr/>
+          <p:nvPr/>
+        </p:nvSpPr>
+        <p:spPr>
+          <a:xfrm>
+            <a:off x="6371095" y="1628013"/>
+            <a:ext cx="986722" cy="642918"/>
+          </a:xfrm>
+          <a:prstGeom prst="rect">
+            <a:avLst/>
+          </a:prstGeom>
+          <a:solidFill>
+            <a:schemeClr val="bg1"/>
+          </a:solidFill>
+          <a:ln>
+            <a:solidFill>
+              <a:schemeClr val="accent6"/>
+            </a:solidFill>
+          </a:ln>
+        </p:spPr>
+        <p:style>
+          <a:lnRef idx="2">
+            <a:schemeClr val="accent1">
+              <a:shade val="50000"/>
+            </a:schemeClr>
+          </a:lnRef>
+          <a:fillRef idx="1">
+            <a:schemeClr val="accent1"/>
+          </a:fillRef>
+          <a:effectRef idx="0">
+            <a:schemeClr val="accent1"/>
+          </a:effectRef>
+          <a:fontRef idx="minor">
+            <a:schemeClr val="lt1"/>
+          </a:fontRef>
+        </p:style>
+        <p:txBody>
+          <a:bodyPr rtlCol="0" anchor="ctr"/>
+          <a:lstStyle/>
+          <a:p>
+            <a:pPr algn="ctr"/>
+            <a:r>
+              <a:rPr lang="en-US" altLang="ko-KR" sz="1200" dirty="0" smtClean="0">
+                <a:solidFill>
+                  <a:schemeClr val="tx1"/>
+                </a:solidFill>
+              </a:rPr>
+              <a:t>Controller</a:t>
+            </a:r>
+            <a:endParaRPr lang="ko-KR" altLang="en-US" sz="1200" dirty="0">
+              <a:solidFill>
+                <a:schemeClr val="tx1"/>
+              </a:solidFill>
+            </a:endParaRPr>
+          </a:p>
+        </p:txBody>
+      </p:sp>
+      <p:sp>
+        <p:nvSpPr>
+          <p:cNvPr id="7" name="직사각형 6"/>
+          <p:cNvSpPr/>
+          <p:nvPr/>
+        </p:nvSpPr>
+        <p:spPr>
+          <a:xfrm>
+            <a:off x="6371095" y="2883210"/>
+            <a:ext cx="986722" cy="642918"/>
+          </a:xfrm>
+          <a:prstGeom prst="rect">
+            <a:avLst/>
+          </a:prstGeom>
+          <a:solidFill>
+            <a:schemeClr val="bg1"/>
+          </a:solidFill>
+          <a:ln>
+            <a:solidFill>
+              <a:schemeClr val="accent6"/>
+            </a:solidFill>
+          </a:ln>
+        </p:spPr>
+        <p:style>
+          <a:lnRef idx="2">
+            <a:schemeClr val="accent1">
+              <a:shade val="50000"/>
+            </a:schemeClr>
+          </a:lnRef>
+          <a:fillRef idx="1">
+            <a:schemeClr val="accent1"/>
+          </a:fillRef>
+          <a:effectRef idx="0">
+            <a:schemeClr val="accent1"/>
+          </a:effectRef>
+          <a:fontRef idx="minor">
+            <a:schemeClr val="lt1"/>
+          </a:fontRef>
+        </p:style>
+        <p:txBody>
+          <a:bodyPr rtlCol="0" anchor="ctr"/>
+          <a:lstStyle/>
+          <a:p>
+            <a:pPr algn="ctr"/>
+            <a:r>
+              <a:rPr lang="en-US" altLang="ko-KR" sz="1200" dirty="0" smtClean="0">
+                <a:solidFill>
+                  <a:schemeClr val="tx1"/>
+                </a:solidFill>
+              </a:rPr>
+              <a:t>Repository</a:t>
+            </a:r>
+            <a:endParaRPr lang="ko-KR" altLang="en-US" sz="1200" dirty="0">
+              <a:solidFill>
+                <a:schemeClr val="tx1"/>
+              </a:solidFill>
+            </a:endParaRPr>
+          </a:p>
+        </p:txBody>
+      </p:sp>
+      <p:sp>
+        <p:nvSpPr>
+          <p:cNvPr id="8" name="직사각형 7"/>
+          <p:cNvSpPr/>
+          <p:nvPr/>
+        </p:nvSpPr>
+        <p:spPr>
+          <a:xfrm>
+            <a:off x="6371095" y="5644379"/>
+            <a:ext cx="986722" cy="642918"/>
+          </a:xfrm>
+          <a:prstGeom prst="rect">
+            <a:avLst/>
+          </a:prstGeom>
+          <a:solidFill>
+            <a:schemeClr val="bg1"/>
+          </a:solidFill>
+          <a:ln>
+            <a:solidFill>
+              <a:schemeClr val="accent2"/>
+            </a:solidFill>
+          </a:ln>
+        </p:spPr>
+        <p:style>
+          <a:lnRef idx="2">
+            <a:schemeClr val="accent1">
+              <a:shade val="50000"/>
+            </a:schemeClr>
+          </a:lnRef>
+          <a:fillRef idx="1">
+            <a:schemeClr val="accent1"/>
+          </a:fillRef>
+          <a:effectRef idx="0">
+            <a:schemeClr val="accent1"/>
+          </a:effectRef>
+          <a:fontRef idx="minor">
+            <a:schemeClr val="lt1"/>
+          </a:fontRef>
+        </p:style>
+        <p:txBody>
+          <a:bodyPr rtlCol="0" anchor="ctr"/>
+          <a:lstStyle/>
+          <a:p>
+            <a:pPr algn="ctr"/>
+            <a:r>
+              <a:rPr lang="en-US" altLang="ko-KR" sz="1200" dirty="0" err="1" smtClean="0">
+                <a:solidFill>
+                  <a:schemeClr val="tx1"/>
+                </a:solidFill>
+              </a:rPr>
+              <a:t>Datadate</a:t>
+            </a:r>
+            <a:endParaRPr lang="ko-KR" altLang="en-US" sz="1200" dirty="0">
+              <a:solidFill>
+                <a:schemeClr val="tx1"/>
+              </a:solidFill>
+            </a:endParaRPr>
+          </a:p>
+        </p:txBody>
+      </p:sp>
+      <p:pic>
+        <p:nvPicPr>
+          <p:cNvPr id="1026" name="Picture 2" descr="스프링(Spring), 스프링 부트(Spring Boot)란? 개념 정리 - Easy is Perfect"/>
+          <p:cNvPicPr>
+            <a:picLocks noChangeAspect="1" noChangeArrowheads="1"/>
+          </p:cNvPicPr>
+          <p:nvPr/>
+        </p:nvPicPr>
+        <p:blipFill>
+          <a:blip r:embed="rId2">
+            <a:extLst>
+              <a:ext uri="{28A0092B-C50C-407E-A947-70E740481C1C}">
+                <a14:useLocalDpi xmlns:a14="http://schemas.microsoft.com/office/drawing/2010/main" val="0"/>
+              </a:ext>
+            </a:extLst>
+          </a:blip>
+          <a:srcRect/>
+          <a:stretch>
+            <a:fillRect/>
+          </a:stretch>
+        </p:blipFill>
+        <p:spPr bwMode="auto">
+          <a:xfrm>
+            <a:off x="5954223" y="341915"/>
+            <a:ext cx="1887152" cy="485633"/>
+          </a:xfrm>
+          <a:prstGeom prst="rect">
+            <a:avLst/>
+          </a:prstGeom>
+          <a:noFill/>
+          <a:extLst>
+            <a:ext uri="{909E8E84-426E-40DD-AFC4-6F175D3DCCD1}">
+              <a14:hiddenFill xmlns:a14="http://schemas.microsoft.com/office/drawing/2010/main">
+                <a:solidFill>
+                  <a:srgbClr val="FFFFFF"/>
+                </a:solidFill>
+              </a14:hiddenFill>
+            </a:ext>
+          </a:extLst>
+        </p:spPr>
+      </p:pic>
+      <p:sp>
+        <p:nvSpPr>
+          <p:cNvPr id="57" name="직사각형 56"/>
+          <p:cNvSpPr/>
+          <p:nvPr/>
+        </p:nvSpPr>
+        <p:spPr>
+          <a:xfrm>
+            <a:off x="2646722" y="901180"/>
+            <a:ext cx="1826697" cy="3250277"/>
+          </a:xfrm>
+          <a:prstGeom prst="rect">
+            <a:avLst/>
+          </a:prstGeom>
+          <a:solidFill>
+            <a:schemeClr val="accent1">
+              <a:alpha val="50000"/>
+            </a:schemeClr>
+          </a:solidFill>
+          <a:ln>
+            <a:solidFill>
+              <a:schemeClr val="accent5"/>
+            </a:solidFill>
+          </a:ln>
+        </p:spPr>
+        <p:style>
+          <a:lnRef idx="0">
+            <a:scrgbClr r="0" g="0" b="0"/>
+          </a:lnRef>
+          <a:fillRef idx="0">
+            <a:scrgbClr r="0" g="0" b="0"/>
+          </a:fillRef>
+          <a:effectRef idx="0">
+            <a:scrgbClr r="0" g="0" b="0"/>
+          </a:effectRef>
+          <a:fontRef idx="minor">
+            <a:schemeClr val="lt1"/>
+          </a:fontRef>
+        </p:style>
+        <p:txBody>
+          <a:bodyPr rtlCol="0" anchor="ctr"/>
+          <a:lstStyle/>
+          <a:p>
+            <a:pPr algn="ctr"/>
+            <a:endParaRPr lang="ko-KR" altLang="en-US"/>
+          </a:p>
+        </p:txBody>
+      </p:sp>
+      <p:pic>
+        <p:nvPicPr>
+          <p:cNvPr id="1028" name="Picture 4" descr="리액트 (자바스크립트 라이브러리) - 위키백과, 우리 모두의 백과사전"/>
+          <p:cNvPicPr>
+            <a:picLocks noChangeAspect="1" noChangeArrowheads="1"/>
+          </p:cNvPicPr>
+          <p:nvPr/>
+        </p:nvPicPr>
+        <p:blipFill>
+          <a:blip r:embed="rId3" cstate="print">
+            <a:extLst>
+              <a:ext uri="{28A0092B-C50C-407E-A947-70E740481C1C}">
+                <a14:useLocalDpi xmlns:a14="http://schemas.microsoft.com/office/drawing/2010/main" val="0"/>
+              </a:ext>
+            </a:extLst>
+          </a:blip>
+          <a:srcRect/>
+          <a:stretch>
+            <a:fillRect/>
+          </a:stretch>
+        </p:blipFill>
+        <p:spPr bwMode="auto">
+          <a:xfrm>
+            <a:off x="3307037" y="283374"/>
+            <a:ext cx="634134" cy="551697"/>
+          </a:xfrm>
+          <a:prstGeom prst="rect">
+            <a:avLst/>
+          </a:prstGeom>
+          <a:noFill/>
+          <a:extLst>
+            <a:ext uri="{909E8E84-426E-40DD-AFC4-6F175D3DCCD1}">
+              <a14:hiddenFill xmlns:a14="http://schemas.microsoft.com/office/drawing/2010/main">
+                <a:solidFill>
+                  <a:srgbClr val="FFFFFF"/>
+                </a:solidFill>
+              </a14:hiddenFill>
+            </a:ext>
+          </a:extLst>
+        </p:spPr>
+      </p:pic>
+      <p:sp>
+        <p:nvSpPr>
+          <p:cNvPr id="60" name="직사각형 59"/>
+          <p:cNvSpPr/>
+          <p:nvPr/>
+        </p:nvSpPr>
+        <p:spPr>
+          <a:xfrm>
+            <a:off x="3043498" y="2247815"/>
+            <a:ext cx="1033151" cy="642918"/>
+          </a:xfrm>
+          <a:prstGeom prst="rect">
+            <a:avLst/>
+          </a:prstGeom>
+          <a:solidFill>
+            <a:schemeClr val="bg1"/>
+          </a:solidFill>
+          <a:ln>
+            <a:solidFill>
+              <a:schemeClr val="accent1"/>
+            </a:solidFill>
+          </a:ln>
+        </p:spPr>
+        <p:style>
+          <a:lnRef idx="2">
+            <a:schemeClr val="accent1">
+              <a:shade val="50000"/>
+            </a:schemeClr>
+          </a:lnRef>
+          <a:fillRef idx="1">
+            <a:schemeClr val="accent1"/>
+          </a:fillRef>
+          <a:effectRef idx="0">
+            <a:schemeClr val="accent1"/>
+          </a:effectRef>
+          <a:fontRef idx="minor">
+            <a:schemeClr val="lt1"/>
+          </a:fontRef>
+        </p:style>
+        <p:txBody>
+          <a:bodyPr rtlCol="0" anchor="ctr"/>
+          <a:lstStyle/>
+          <a:p>
+            <a:pPr algn="ctr"/>
+            <a:r>
+              <a:rPr lang="en-US" altLang="ko-KR" sz="1200" dirty="0" err="1" smtClean="0">
+                <a:solidFill>
+                  <a:schemeClr val="tx1"/>
+                </a:solidFill>
+              </a:rPr>
+              <a:t>Infodata</a:t>
+            </a:r>
+            <a:endParaRPr lang="ko-KR" altLang="en-US" sz="1200" dirty="0">
+              <a:solidFill>
+                <a:schemeClr val="tx1"/>
+              </a:solidFill>
+            </a:endParaRPr>
+          </a:p>
+        </p:txBody>
+      </p:sp>
+      <p:sp>
+        <p:nvSpPr>
+          <p:cNvPr id="64" name="직사각형 63"/>
+          <p:cNvSpPr/>
+          <p:nvPr/>
+        </p:nvSpPr>
+        <p:spPr>
+          <a:xfrm>
+            <a:off x="9255493" y="901180"/>
+            <a:ext cx="1824158" cy="3250277"/>
+          </a:xfrm>
+          <a:prstGeom prst="rect">
+            <a:avLst/>
+          </a:prstGeom>
+          <a:solidFill>
+            <a:schemeClr val="tx1">
+              <a:lumMod val="50000"/>
+              <a:lumOff val="50000"/>
+              <a:alpha val="50000"/>
+            </a:schemeClr>
+          </a:solidFill>
+          <a:ln>
+            <a:solidFill>
+              <a:schemeClr val="tx1"/>
+            </a:solidFill>
+          </a:ln>
+        </p:spPr>
+        <p:style>
+          <a:lnRef idx="0">
+            <a:scrgbClr r="0" g="0" b="0"/>
+          </a:lnRef>
+          <a:fillRef idx="0">
+            <a:scrgbClr r="0" g="0" b="0"/>
+          </a:fillRef>
+          <a:effectRef idx="0">
+            <a:scrgbClr r="0" g="0" b="0"/>
+          </a:effectRef>
+          <a:fontRef idx="minor">
+            <a:schemeClr val="lt1"/>
+          </a:fontRef>
+        </p:style>
+        <p:txBody>
+          <a:bodyPr rtlCol="0" anchor="ctr"/>
+          <a:lstStyle/>
+          <a:p>
+            <a:pPr algn="ctr"/>
+            <a:endParaRPr lang="ko-KR" altLang="en-US"/>
+          </a:p>
+        </p:txBody>
+      </p:sp>
+      <p:pic>
+        <p:nvPicPr>
+          <p:cNvPr id="1030" name="Picture 6" descr="Python Flask ] 파이썬 플라스크"/>
+          <p:cNvPicPr>
+            <a:picLocks noChangeAspect="1" noChangeArrowheads="1"/>
+          </p:cNvPicPr>
+          <p:nvPr/>
+        </p:nvPicPr>
+        <p:blipFill>
+          <a:blip r:embed="rId4" cstate="print">
+            <a:extLst>
+              <a:ext uri="{28A0092B-C50C-407E-A947-70E740481C1C}">
+                <a14:useLocalDpi xmlns:a14="http://schemas.microsoft.com/office/drawing/2010/main" val="0"/>
+              </a:ext>
+            </a:extLst>
+          </a:blip>
+          <a:srcRect/>
+          <a:stretch>
+            <a:fillRect/>
+          </a:stretch>
+        </p:blipFill>
+        <p:spPr bwMode="auto">
+          <a:xfrm>
+            <a:off x="9336739" y="368702"/>
+            <a:ext cx="1661666" cy="495848"/>
+          </a:xfrm>
+          <a:prstGeom prst="rect">
+            <a:avLst/>
+          </a:prstGeom>
+          <a:noFill/>
+          <a:extLst>
+            <a:ext uri="{909E8E84-426E-40DD-AFC4-6F175D3DCCD1}">
+              <a14:hiddenFill xmlns:a14="http://schemas.microsoft.com/office/drawing/2010/main">
+                <a:solidFill>
+                  <a:srgbClr val="FFFFFF"/>
+                </a:solidFill>
+              </a14:hiddenFill>
+            </a:ext>
+          </a:extLst>
+        </p:spPr>
+      </p:pic>
+      <p:sp>
+        <p:nvSpPr>
+          <p:cNvPr id="67" name="직사각형 66"/>
+          <p:cNvSpPr/>
+          <p:nvPr/>
+        </p:nvSpPr>
+        <p:spPr>
+          <a:xfrm>
+            <a:off x="9674211" y="1635537"/>
+            <a:ext cx="986722" cy="642918"/>
+          </a:xfrm>
+          <a:prstGeom prst="rect">
+            <a:avLst/>
+          </a:prstGeom>
+          <a:solidFill>
+            <a:schemeClr val="bg1"/>
+          </a:solidFill>
+          <a:ln>
+            <a:solidFill>
+              <a:schemeClr val="tx1">
+                <a:lumMod val="65000"/>
+                <a:lumOff val="35000"/>
+              </a:schemeClr>
+            </a:solidFill>
+          </a:ln>
+        </p:spPr>
+        <p:style>
+          <a:lnRef idx="2">
+            <a:schemeClr val="accent1">
+              <a:shade val="50000"/>
+            </a:schemeClr>
+          </a:lnRef>
+          <a:fillRef idx="1">
+            <a:schemeClr val="accent1"/>
+          </a:fillRef>
+          <a:effectRef idx="0">
+            <a:schemeClr val="accent1"/>
+          </a:effectRef>
+          <a:fontRef idx="minor">
+            <a:schemeClr val="lt1"/>
+          </a:fontRef>
+        </p:style>
+        <p:txBody>
+          <a:bodyPr rtlCol="0" anchor="ctr"/>
+          <a:lstStyle/>
+          <a:p>
+            <a:pPr algn="ctr"/>
+            <a:r>
+              <a:rPr lang="en-US" altLang="ko-KR" sz="1200" dirty="0" smtClean="0">
+                <a:solidFill>
+                  <a:schemeClr val="tx1"/>
+                </a:solidFill>
+              </a:rPr>
+              <a:t>model</a:t>
+            </a:r>
+            <a:endParaRPr lang="ko-KR" altLang="en-US" sz="1200" dirty="0">
+              <a:solidFill>
+                <a:schemeClr val="tx1"/>
+              </a:solidFill>
+            </a:endParaRPr>
+          </a:p>
+        </p:txBody>
+      </p:sp>
+      <p:sp>
+        <p:nvSpPr>
+          <p:cNvPr id="72" name="직사각형 71"/>
+          <p:cNvSpPr/>
+          <p:nvPr/>
+        </p:nvSpPr>
+        <p:spPr>
+          <a:xfrm>
+            <a:off x="9674211" y="2895803"/>
+            <a:ext cx="986722" cy="642918"/>
+          </a:xfrm>
+          <a:prstGeom prst="rect">
+            <a:avLst/>
+          </a:prstGeom>
+          <a:solidFill>
+            <a:schemeClr val="bg1"/>
+          </a:solidFill>
+          <a:ln>
+            <a:solidFill>
+              <a:schemeClr val="tx1">
+                <a:lumMod val="65000"/>
+                <a:lumOff val="35000"/>
+              </a:schemeClr>
+            </a:solidFill>
+          </a:ln>
+        </p:spPr>
+        <p:style>
+          <a:lnRef idx="2">
+            <a:schemeClr val="accent1">
+              <a:shade val="50000"/>
+            </a:schemeClr>
+          </a:lnRef>
+          <a:fillRef idx="1">
+            <a:schemeClr val="accent1"/>
+          </a:fillRef>
+          <a:effectRef idx="0">
+            <a:schemeClr val="accent1"/>
+          </a:effectRef>
+          <a:fontRef idx="minor">
+            <a:schemeClr val="lt1"/>
+          </a:fontRef>
+        </p:style>
+        <p:txBody>
+          <a:bodyPr rtlCol="0" anchor="ctr"/>
+          <a:lstStyle/>
+          <a:p>
+            <a:pPr algn="ctr"/>
+            <a:r>
+              <a:rPr lang="en-US" altLang="ko-KR" sz="1200" dirty="0" smtClean="0">
+                <a:solidFill>
+                  <a:schemeClr val="tx1"/>
+                </a:solidFill>
+              </a:rPr>
+              <a:t>Emulator</a:t>
+            </a:r>
+            <a:endParaRPr lang="ko-KR" altLang="en-US" sz="1200" dirty="0">
+              <a:solidFill>
+                <a:schemeClr val="tx1"/>
+              </a:solidFill>
+            </a:endParaRPr>
+          </a:p>
+        </p:txBody>
+      </p:sp>
+      <p:cxnSp>
+        <p:nvCxnSpPr>
+          <p:cNvPr id="70" name="직선 화살표 연결선 69"/>
+          <p:cNvCxnSpPr>
+            <a:stCxn id="72" idx="0"/>
+            <a:endCxn id="67" idx="2"/>
+          </p:cNvCxnSpPr>
+          <p:nvPr/>
+        </p:nvCxnSpPr>
+        <p:spPr>
+          <a:xfrm flipV="1">
+            <a:off x="10167572" y="2278455"/>
+            <a:ext cx="0" cy="617348"/>
+          </a:xfrm>
+          <a:prstGeom prst="straightConnector1">
+            <a:avLst/>
+          </a:prstGeom>
+          <a:ln>
+            <a:tailEnd type="triangle"/>
+          </a:ln>
+        </p:spPr>
+        <p:style>
+          <a:lnRef idx="1">
+            <a:schemeClr val="dk1"/>
+          </a:lnRef>
+          <a:fillRef idx="0">
+            <a:schemeClr val="dk1"/>
+          </a:fillRef>
+          <a:effectRef idx="0">
+            <a:schemeClr val="dk1"/>
+          </a:effectRef>
+          <a:fontRef idx="minor">
+            <a:schemeClr val="tx1"/>
+          </a:fontRef>
+        </p:style>
+      </p:cxnSp>
+      <p:sp>
+        <p:nvSpPr>
+          <p:cNvPr id="31" name="직사각형 30"/>
+          <p:cNvSpPr/>
+          <p:nvPr/>
+        </p:nvSpPr>
+        <p:spPr>
+          <a:xfrm>
+            <a:off x="640320" y="2204859"/>
+            <a:ext cx="1033151" cy="642918"/>
+          </a:xfrm>
+          <a:prstGeom prst="rect">
+            <a:avLst/>
+          </a:prstGeom>
+          <a:solidFill>
+            <a:schemeClr val="bg1"/>
+          </a:solidFill>
+          <a:ln>
+            <a:solidFill>
+              <a:schemeClr val="accent1"/>
+            </a:solidFill>
+          </a:ln>
+        </p:spPr>
+        <p:style>
+          <a:lnRef idx="2">
+            <a:schemeClr val="accent1">
+              <a:shade val="50000"/>
+            </a:schemeClr>
+          </a:lnRef>
+          <a:fillRef idx="1">
+            <a:schemeClr val="accent1"/>
+          </a:fillRef>
+          <a:effectRef idx="0">
+            <a:schemeClr val="accent1"/>
+          </a:effectRef>
+          <a:fontRef idx="minor">
+            <a:schemeClr val="lt1"/>
+          </a:fontRef>
+        </p:style>
+        <p:txBody>
+          <a:bodyPr rtlCol="0" anchor="ctr"/>
+          <a:lstStyle/>
+          <a:p>
+            <a:pPr algn="ctr"/>
+            <a:r>
+              <a:rPr lang="en-US" altLang="ko-KR" sz="1200" dirty="0">
+                <a:solidFill>
+                  <a:schemeClr val="tx1"/>
+                </a:solidFill>
+              </a:rPr>
+              <a:t>S</a:t>
+            </a:r>
+            <a:r>
+              <a:rPr lang="en-US" altLang="ko-KR" sz="1200" dirty="0" smtClean="0">
+                <a:solidFill>
+                  <a:schemeClr val="tx1"/>
+                </a:solidFill>
+              </a:rPr>
+              <a:t>creen</a:t>
+            </a:r>
+            <a:endParaRPr lang="ko-KR" altLang="en-US" sz="1200" dirty="0">
+              <a:solidFill>
+                <a:schemeClr val="tx1"/>
+              </a:solidFill>
+            </a:endParaRPr>
+          </a:p>
+        </p:txBody>
+      </p:sp>
+      <p:sp>
+        <p:nvSpPr>
+          <p:cNvPr id="32" name="직사각형 31"/>
+          <p:cNvSpPr/>
+          <p:nvPr/>
+        </p:nvSpPr>
+        <p:spPr>
+          <a:xfrm>
+            <a:off x="3043496" y="3225834"/>
+            <a:ext cx="1033151" cy="642918"/>
+          </a:xfrm>
+          <a:prstGeom prst="rect">
+            <a:avLst/>
+          </a:prstGeom>
+          <a:solidFill>
+            <a:schemeClr val="bg1"/>
+          </a:solidFill>
+          <a:ln>
+            <a:solidFill>
+              <a:schemeClr val="accent1"/>
+            </a:solidFill>
+          </a:ln>
+        </p:spPr>
+        <p:style>
+          <a:lnRef idx="2">
+            <a:schemeClr val="accent1">
+              <a:shade val="50000"/>
+            </a:schemeClr>
+          </a:lnRef>
+          <a:fillRef idx="1">
+            <a:schemeClr val="accent1"/>
+          </a:fillRef>
+          <a:effectRef idx="0">
+            <a:schemeClr val="accent1"/>
+          </a:effectRef>
+          <a:fontRef idx="minor">
+            <a:schemeClr val="lt1"/>
+          </a:fontRef>
+        </p:style>
+        <p:txBody>
+          <a:bodyPr rtlCol="0" anchor="ctr"/>
+          <a:lstStyle/>
+          <a:p>
+            <a:pPr algn="ctr"/>
+            <a:r>
+              <a:rPr lang="en-US" altLang="ko-KR" sz="1200" dirty="0" err="1" smtClean="0">
+                <a:solidFill>
+                  <a:schemeClr val="tx1"/>
+                </a:solidFill>
+              </a:rPr>
+              <a:t>datadetail</a:t>
+            </a:r>
+            <a:endParaRPr lang="ko-KR" altLang="en-US" sz="1200" dirty="0">
+              <a:solidFill>
+                <a:schemeClr val="tx1"/>
+              </a:solidFill>
+            </a:endParaRPr>
+          </a:p>
+        </p:txBody>
+      </p:sp>
+      <p:sp>
+        <p:nvSpPr>
+          <p:cNvPr id="33" name="직사각형 32"/>
+          <p:cNvSpPr/>
+          <p:nvPr/>
+        </p:nvSpPr>
+        <p:spPr>
+          <a:xfrm>
+            <a:off x="3043497" y="1279237"/>
+            <a:ext cx="1033151" cy="642918"/>
+          </a:xfrm>
+          <a:prstGeom prst="rect">
+            <a:avLst/>
+          </a:prstGeom>
+          <a:solidFill>
+            <a:schemeClr val="bg1"/>
+          </a:solidFill>
+          <a:ln>
+            <a:solidFill>
+              <a:schemeClr val="accent1"/>
+            </a:solidFill>
+          </a:ln>
+        </p:spPr>
+        <p:style>
+          <a:lnRef idx="2">
+            <a:schemeClr val="accent1">
+              <a:shade val="50000"/>
+            </a:schemeClr>
+          </a:lnRef>
+          <a:fillRef idx="1">
+            <a:schemeClr val="accent1"/>
+          </a:fillRef>
+          <a:effectRef idx="0">
+            <a:schemeClr val="accent1"/>
+          </a:effectRef>
+          <a:fontRef idx="minor">
+            <a:schemeClr val="lt1"/>
+          </a:fontRef>
+        </p:style>
+        <p:txBody>
+          <a:bodyPr rtlCol="0" anchor="ctr"/>
+          <a:lstStyle/>
+          <a:p>
+            <a:pPr algn="ctr"/>
+            <a:r>
+              <a:rPr lang="en-US" altLang="ko-KR" sz="1050" dirty="0" err="1" smtClean="0">
+                <a:solidFill>
+                  <a:schemeClr val="tx1"/>
+                </a:solidFill>
+              </a:rPr>
+              <a:t>Realtimechart</a:t>
+            </a:r>
+            <a:endParaRPr lang="ko-KR" altLang="en-US" sz="1050" dirty="0">
+              <a:solidFill>
+                <a:schemeClr val="tx1"/>
+              </a:solidFill>
+            </a:endParaRPr>
+          </a:p>
+        </p:txBody>
+      </p:sp>
+      <p:cxnSp>
+        <p:nvCxnSpPr>
+          <p:cNvPr id="15" name="직선 화살표 연결선 14"/>
+          <p:cNvCxnSpPr>
+            <a:stCxn id="5" idx="2"/>
+            <a:endCxn id="7" idx="0"/>
+          </p:cNvCxnSpPr>
+          <p:nvPr/>
+        </p:nvCxnSpPr>
+        <p:spPr>
+          <a:xfrm>
+            <a:off x="6864456" y="2270931"/>
+            <a:ext cx="0" cy="612279"/>
+          </a:xfrm>
+          <a:prstGeom prst="straightConnector1">
+            <a:avLst/>
+          </a:prstGeom>
+          <a:ln>
+            <a:solidFill>
+              <a:schemeClr val="tx1"/>
+            </a:solidFill>
+            <a:headEnd type="triangle"/>
+            <a:tailEnd type="triangle"/>
+          </a:ln>
+        </p:spPr>
+        <p:style>
+          <a:lnRef idx="1">
+            <a:schemeClr val="accent1"/>
+          </a:lnRef>
+          <a:fillRef idx="0">
+            <a:schemeClr val="accent1"/>
+          </a:fillRef>
+          <a:effectRef idx="0">
+            <a:schemeClr val="accent1"/>
+          </a:effectRef>
+          <a:fontRef idx="minor">
+            <a:schemeClr val="tx1"/>
+          </a:fontRef>
+        </p:style>
+      </p:cxnSp>
+      <p:cxnSp>
+        <p:nvCxnSpPr>
+          <p:cNvPr id="17" name="직선 화살표 연결선 16"/>
+          <p:cNvCxnSpPr>
+            <a:stCxn id="60" idx="3"/>
+            <a:endCxn id="5" idx="1"/>
+          </p:cNvCxnSpPr>
+          <p:nvPr/>
+        </p:nvCxnSpPr>
+        <p:spPr>
+          <a:xfrm flipV="1">
+            <a:off x="4076649" y="1949472"/>
+            <a:ext cx="2294446" cy="619802"/>
+          </a:xfrm>
+          <a:prstGeom prst="straightConnector1">
+            <a:avLst/>
+          </a:prstGeom>
+          <a:ln>
+            <a:headEnd type="triangle"/>
+            <a:tailEnd type="triangle"/>
+          </a:ln>
+        </p:spPr>
+        <p:style>
+          <a:lnRef idx="1">
+            <a:schemeClr val="dk1"/>
+          </a:lnRef>
+          <a:fillRef idx="0">
+            <a:schemeClr val="dk1"/>
+          </a:fillRef>
+          <a:effectRef idx="0">
+            <a:schemeClr val="dk1"/>
+          </a:effectRef>
+          <a:fontRef idx="minor">
+            <a:schemeClr val="tx1"/>
+          </a:fontRef>
+        </p:style>
+      </p:cxnSp>
+      <p:cxnSp>
+        <p:nvCxnSpPr>
+          <p:cNvPr id="19" name="직선 화살표 연결선 18"/>
+          <p:cNvCxnSpPr>
+            <a:stCxn id="60" idx="2"/>
+            <a:endCxn id="32" idx="0"/>
+          </p:cNvCxnSpPr>
+          <p:nvPr/>
+        </p:nvCxnSpPr>
+        <p:spPr>
+          <a:xfrm flipH="1">
+            <a:off x="3560072" y="2890733"/>
+            <a:ext cx="2" cy="335101"/>
+          </a:xfrm>
+          <a:prstGeom prst="straightConnector1">
+            <a:avLst/>
+          </a:prstGeom>
+          <a:ln>
+            <a:headEnd type="triangle"/>
+            <a:tailEnd type="triangle"/>
+          </a:ln>
+        </p:spPr>
+        <p:style>
+          <a:lnRef idx="1">
+            <a:schemeClr val="dk1"/>
+          </a:lnRef>
+          <a:fillRef idx="0">
+            <a:schemeClr val="dk1"/>
+          </a:fillRef>
+          <a:effectRef idx="0">
+            <a:schemeClr val="dk1"/>
+          </a:effectRef>
+          <a:fontRef idx="minor">
+            <a:schemeClr val="tx1"/>
+          </a:fontRef>
+        </p:style>
+      </p:cxnSp>
+      <p:cxnSp>
+        <p:nvCxnSpPr>
+          <p:cNvPr id="21" name="직선 화살표 연결선 20"/>
+          <p:cNvCxnSpPr>
+            <a:stCxn id="33" idx="2"/>
+            <a:endCxn id="60" idx="0"/>
+          </p:cNvCxnSpPr>
+          <p:nvPr/>
+        </p:nvCxnSpPr>
+        <p:spPr>
+          <a:xfrm>
+            <a:off x="3560073" y="1922155"/>
+            <a:ext cx="1" cy="325660"/>
+          </a:xfrm>
+          <a:prstGeom prst="straightConnector1">
+            <a:avLst/>
+          </a:prstGeom>
+          <a:ln>
+            <a:headEnd type="triangle"/>
+            <a:tailEnd type="triangle"/>
+          </a:ln>
+        </p:spPr>
+        <p:style>
+          <a:lnRef idx="1">
+            <a:schemeClr val="dk1"/>
+          </a:lnRef>
+          <a:fillRef idx="0">
+            <a:schemeClr val="dk1"/>
+          </a:fillRef>
+          <a:effectRef idx="0">
+            <a:schemeClr val="dk1"/>
+          </a:effectRef>
+          <a:fontRef idx="minor">
+            <a:schemeClr val="tx1"/>
+          </a:fontRef>
+        </p:style>
+      </p:cxnSp>
+      <p:cxnSp>
+        <p:nvCxnSpPr>
+          <p:cNvPr id="23" name="직선 화살표 연결선 22"/>
+          <p:cNvCxnSpPr>
+            <a:stCxn id="31" idx="3"/>
+            <a:endCxn id="57" idx="1"/>
+          </p:cNvCxnSpPr>
+          <p:nvPr/>
+        </p:nvCxnSpPr>
+        <p:spPr>
+          <a:xfrm>
+            <a:off x="1673471" y="2526318"/>
+            <a:ext cx="973251" cy="1"/>
+          </a:xfrm>
+          <a:prstGeom prst="straightConnector1">
+            <a:avLst/>
+          </a:prstGeom>
+          <a:ln>
+            <a:headEnd type="triangle"/>
+            <a:tailEnd type="triangle"/>
+          </a:ln>
+        </p:spPr>
+        <p:style>
+          <a:lnRef idx="1">
+            <a:schemeClr val="dk1"/>
+          </a:lnRef>
+          <a:fillRef idx="0">
+            <a:schemeClr val="dk1"/>
+          </a:fillRef>
+          <a:effectRef idx="0">
+            <a:schemeClr val="dk1"/>
+          </a:effectRef>
+          <a:fontRef idx="minor">
+            <a:schemeClr val="tx1"/>
+          </a:fontRef>
+        </p:style>
+      </p:cxnSp>
+      <p:cxnSp>
+        <p:nvCxnSpPr>
+          <p:cNvPr id="26" name="직선 화살표 연결선 25"/>
+          <p:cNvCxnSpPr>
+            <a:stCxn id="5" idx="3"/>
+            <a:endCxn id="67" idx="1"/>
+          </p:cNvCxnSpPr>
+          <p:nvPr/>
+        </p:nvCxnSpPr>
+        <p:spPr>
+          <a:xfrm>
+            <a:off x="7357817" y="1949472"/>
+            <a:ext cx="2316394" cy="7524"/>
+          </a:xfrm>
+          <a:prstGeom prst="straightConnector1">
+            <a:avLst/>
+          </a:prstGeom>
+          <a:ln>
+            <a:headEnd type="triangle"/>
+            <a:tailEnd type="triangle"/>
+          </a:ln>
+        </p:spPr>
+        <p:style>
+          <a:lnRef idx="1">
+            <a:schemeClr val="dk1"/>
+          </a:lnRef>
+          <a:fillRef idx="0">
+            <a:schemeClr val="dk1"/>
+          </a:fillRef>
+          <a:effectRef idx="0">
+            <a:schemeClr val="dk1"/>
+          </a:effectRef>
+          <a:fontRef idx="minor">
+            <a:schemeClr val="tx1"/>
+          </a:fontRef>
+        </p:style>
+      </p:cxnSp>
+      <p:pic>
+        <p:nvPicPr>
+          <p:cNvPr id="27" name="Picture 4" descr="호스팅된 MySQL - Amazon RDS for MySQL - AWS"/>
+          <p:cNvPicPr>
+            <a:picLocks noChangeAspect="1" noChangeArrowheads="1"/>
+          </p:cNvPicPr>
+          <p:nvPr/>
+        </p:nvPicPr>
+        <p:blipFill>
+          <a:blip r:embed="rId5" cstate="print">
+            <a:extLst>
+              <a:ext uri="{28A0092B-C50C-407E-A947-70E740481C1C}">
+                <a14:useLocalDpi xmlns:a14="http://schemas.microsoft.com/office/drawing/2010/main" val="0"/>
+              </a:ext>
+            </a:extLst>
+          </a:blip>
+          <a:srcRect/>
+          <a:stretch>
+            <a:fillRect/>
+          </a:stretch>
+        </p:blipFill>
+        <p:spPr bwMode="auto">
+          <a:xfrm>
+            <a:off x="6072824" y="4210041"/>
+            <a:ext cx="1583264" cy="819463"/>
+          </a:xfrm>
+          <a:prstGeom prst="rect">
+            <a:avLst/>
+          </a:prstGeom>
+          <a:noFill/>
+          <a:extLst>
+            <a:ext uri="{909E8E84-426E-40DD-AFC4-6F175D3DCCD1}">
+              <a14:hiddenFill xmlns:a14="http://schemas.microsoft.com/office/drawing/2010/main">
+                <a:solidFill>
+                  <a:srgbClr val="FFFFFF"/>
+                </a:solidFill>
+              </a14:hiddenFill>
+            </a:ext>
+          </a:extLst>
+        </p:spPr>
+      </p:pic>
+      <p:cxnSp>
+        <p:nvCxnSpPr>
+          <p:cNvPr id="55" name="구부러진 연결선 54"/>
+          <p:cNvCxnSpPr>
+            <a:stCxn id="5" idx="3"/>
+            <a:endCxn id="8" idx="3"/>
+          </p:cNvCxnSpPr>
+          <p:nvPr/>
+        </p:nvCxnSpPr>
+        <p:spPr>
+          <a:xfrm>
+            <a:off x="7357817" y="1949472"/>
+            <a:ext cx="12700" cy="4016366"/>
+          </a:xfrm>
+          <a:prstGeom prst="curvedConnector3">
+            <a:avLst>
+              <a:gd name="adj1" fmla="val 9327268"/>
+            </a:avLst>
+          </a:prstGeom>
+          <a:ln>
+            <a:headEnd type="triangle"/>
+            <a:tailEnd type="triangle"/>
+          </a:ln>
+        </p:spPr>
+        <p:style>
+          <a:lnRef idx="1">
+            <a:schemeClr val="dk1"/>
+          </a:lnRef>
+          <a:fillRef idx="0">
+            <a:schemeClr val="dk1"/>
+          </a:fillRef>
+          <a:effectRef idx="0">
+            <a:schemeClr val="dk1"/>
+          </a:effectRef>
+          <a:fontRef idx="minor">
+            <a:schemeClr val="tx1"/>
+          </a:fontRef>
+        </p:style>
+      </p:cxnSp>
+    </p:spTree>
+    <p:extLst>
+      <p:ext uri="{BB962C8B-B14F-4D97-AF65-F5344CB8AC3E}">
+        <p14:creationId xmlns:p14="http://schemas.microsoft.com/office/powerpoint/2010/main" val="3101347865"/>
+      </p:ext>
+    </p:extLst>
+  </p:cSld>
+  <p:clrMapOvr>
+    <a:masterClrMapping/>
+  </p:clrMapOvr>
+  <p:timing>
+    <p:tnLst>
+      <p:par>
+        <p:cTn id="1" dur="indefinite" restart="never" nodeType="tmRoot"/>
+      </p:par>
+    </p:tnLst>
+  </p:timing>
 </p:sld>
 </file>
 
